--- a/doc/04.视频直播.pptx
+++ b/doc/04.视频直播.pptx
@@ -6,17 +6,18 @@
   </p:sldMasterIdLst>
   <p:sldIdLst>
     <p:sldId id="258" r:id="rId2"/>
-    <p:sldId id="277" r:id="rId3"/>
-    <p:sldId id="265" r:id="rId4"/>
-    <p:sldId id="266" r:id="rId5"/>
-    <p:sldId id="267" r:id="rId6"/>
-    <p:sldId id="271" r:id="rId7"/>
-    <p:sldId id="270" r:id="rId8"/>
-    <p:sldId id="272" r:id="rId9"/>
-    <p:sldId id="274" r:id="rId10"/>
-    <p:sldId id="275" r:id="rId11"/>
-    <p:sldId id="273" r:id="rId12"/>
-    <p:sldId id="276" r:id="rId13"/>
+    <p:sldId id="289" r:id="rId3"/>
+    <p:sldId id="277" r:id="rId4"/>
+    <p:sldId id="265" r:id="rId5"/>
+    <p:sldId id="266" r:id="rId6"/>
+    <p:sldId id="267" r:id="rId7"/>
+    <p:sldId id="271" r:id="rId8"/>
+    <p:sldId id="270" r:id="rId9"/>
+    <p:sldId id="272" r:id="rId10"/>
+    <p:sldId id="274" r:id="rId11"/>
+    <p:sldId id="275" r:id="rId12"/>
+    <p:sldId id="273" r:id="rId13"/>
+    <p:sldId id="276" r:id="rId14"/>
   </p:sldIdLst>
   <p:sldSz cx="12192000" cy="6858000"/>
   <p:notesSz cx="6858000" cy="9144000"/>
@@ -282,7 +283,7 @@
           <a:p>
             <a:fld id="{1B7BBEA4-24BC-4F9A-BA49-26A596A24E96}" type="datetimeFigureOut">
               <a:rPr lang="zh-CN" altLang="en-US" smtClean="0"/>
-              <a:t>2021/3/22</a:t>
+              <a:t>2021/4/15</a:t>
             </a:fld>
             <a:endParaRPr lang="zh-CN" altLang="en-US"/>
           </a:p>
@@ -480,7 +481,7 @@
           <a:p>
             <a:fld id="{1B7BBEA4-24BC-4F9A-BA49-26A596A24E96}" type="datetimeFigureOut">
               <a:rPr lang="zh-CN" altLang="en-US" smtClean="0"/>
-              <a:t>2021/3/22</a:t>
+              <a:t>2021/4/15</a:t>
             </a:fld>
             <a:endParaRPr lang="zh-CN" altLang="en-US"/>
           </a:p>
@@ -688,7 +689,7 @@
           <a:p>
             <a:fld id="{1B7BBEA4-24BC-4F9A-BA49-26A596A24E96}" type="datetimeFigureOut">
               <a:rPr lang="zh-CN" altLang="en-US" smtClean="0"/>
-              <a:t>2021/3/22</a:t>
+              <a:t>2021/4/15</a:t>
             </a:fld>
             <a:endParaRPr lang="zh-CN" altLang="en-US"/>
           </a:p>
@@ -886,7 +887,7 @@
           <a:p>
             <a:fld id="{1B7BBEA4-24BC-4F9A-BA49-26A596A24E96}" type="datetimeFigureOut">
               <a:rPr lang="zh-CN" altLang="en-US" smtClean="0"/>
-              <a:t>2021/3/22</a:t>
+              <a:t>2021/4/15</a:t>
             </a:fld>
             <a:endParaRPr lang="zh-CN" altLang="en-US"/>
           </a:p>
@@ -1161,7 +1162,7 @@
           <a:p>
             <a:fld id="{1B7BBEA4-24BC-4F9A-BA49-26A596A24E96}" type="datetimeFigureOut">
               <a:rPr lang="zh-CN" altLang="en-US" smtClean="0"/>
-              <a:t>2021/3/22</a:t>
+              <a:t>2021/4/15</a:t>
             </a:fld>
             <a:endParaRPr lang="zh-CN" altLang="en-US"/>
           </a:p>
@@ -1426,7 +1427,7 @@
           <a:p>
             <a:fld id="{1B7BBEA4-24BC-4F9A-BA49-26A596A24E96}" type="datetimeFigureOut">
               <a:rPr lang="zh-CN" altLang="en-US" smtClean="0"/>
-              <a:t>2021/3/22</a:t>
+              <a:t>2021/4/15</a:t>
             </a:fld>
             <a:endParaRPr lang="zh-CN" altLang="en-US"/>
           </a:p>
@@ -1838,7 +1839,7 @@
           <a:p>
             <a:fld id="{1B7BBEA4-24BC-4F9A-BA49-26A596A24E96}" type="datetimeFigureOut">
               <a:rPr lang="zh-CN" altLang="en-US" smtClean="0"/>
-              <a:t>2021/3/22</a:t>
+              <a:t>2021/4/15</a:t>
             </a:fld>
             <a:endParaRPr lang="zh-CN" altLang="en-US"/>
           </a:p>
@@ -1979,7 +1980,7 @@
           <a:p>
             <a:fld id="{1B7BBEA4-24BC-4F9A-BA49-26A596A24E96}" type="datetimeFigureOut">
               <a:rPr lang="zh-CN" altLang="en-US" smtClean="0"/>
-              <a:t>2021/3/22</a:t>
+              <a:t>2021/4/15</a:t>
             </a:fld>
             <a:endParaRPr lang="zh-CN" altLang="en-US"/>
           </a:p>
@@ -2092,7 +2093,7 @@
           <a:p>
             <a:fld id="{1B7BBEA4-24BC-4F9A-BA49-26A596A24E96}" type="datetimeFigureOut">
               <a:rPr lang="zh-CN" altLang="en-US" smtClean="0"/>
-              <a:t>2021/3/22</a:t>
+              <a:t>2021/4/15</a:t>
             </a:fld>
             <a:endParaRPr lang="zh-CN" altLang="en-US"/>
           </a:p>
@@ -2403,7 +2404,7 @@
           <a:p>
             <a:fld id="{1B7BBEA4-24BC-4F9A-BA49-26A596A24E96}" type="datetimeFigureOut">
               <a:rPr lang="zh-CN" altLang="en-US" smtClean="0"/>
-              <a:t>2021/3/22</a:t>
+              <a:t>2021/4/15</a:t>
             </a:fld>
             <a:endParaRPr lang="zh-CN" altLang="en-US"/>
           </a:p>
@@ -2691,7 +2692,7 @@
           <a:p>
             <a:fld id="{1B7BBEA4-24BC-4F9A-BA49-26A596A24E96}" type="datetimeFigureOut">
               <a:rPr lang="zh-CN" altLang="en-US" smtClean="0"/>
-              <a:t>2021/3/22</a:t>
+              <a:t>2021/4/15</a:t>
             </a:fld>
             <a:endParaRPr lang="zh-CN" altLang="en-US"/>
           </a:p>
@@ -2932,7 +2933,7 @@
           <a:p>
             <a:fld id="{1B7BBEA4-24BC-4F9A-BA49-26A596A24E96}" type="datetimeFigureOut">
               <a:rPr lang="zh-CN" altLang="en-US" smtClean="0"/>
-              <a:t>2021/3/22</a:t>
+              <a:t>2021/4/15</a:t>
             </a:fld>
             <a:endParaRPr lang="zh-CN" altLang="en-US"/>
           </a:p>
@@ -3465,7 +3466,7 @@
         <p:spPr>
           <a:xfrm>
             <a:off x="722687" y="138400"/>
-            <a:ext cx="2236510" cy="584775"/>
+            <a:ext cx="1005403" cy="584775"/>
           </a:xfrm>
           <a:prstGeom prst="rect">
             <a:avLst/>
@@ -3483,17 +3484,17 @@
                 <a:latin typeface="Consolas" panose="020B0609020204030204" pitchFamily="49" charset="0"/>
                 <a:ea typeface="微软雅黑" panose="020B0503020204020204" pitchFamily="34" charset="-122"/>
               </a:rPr>
-              <a:t>大纲及流程</a:t>
+              <a:t>目录</a:t>
             </a:r>
           </a:p>
         </p:txBody>
       </p:sp>
       <p:grpSp>
         <p:nvGrpSpPr>
-          <p:cNvPr id="4" name="组合 3">
+          <p:cNvPr id="47" name="组合 46">
             <a:extLst>
               <a:ext uri="{FF2B5EF4-FFF2-40B4-BE49-F238E27FC236}">
-                <a16:creationId xmlns:a16="http://schemas.microsoft.com/office/drawing/2014/main" id="{12D31011-83A8-48E3-A445-683729F5CFCA}"/>
+                <a16:creationId xmlns:a16="http://schemas.microsoft.com/office/drawing/2014/main" id="{E6656BA9-BED7-41C6-B28C-5AAF5697FA15}"/>
               </a:ext>
             </a:extLst>
           </p:cNvPr>
@@ -3502,18 +3503,18 @@
         </p:nvGrpSpPr>
         <p:grpSpPr>
           <a:xfrm>
-            <a:off x="1199043" y="1123475"/>
+            <a:off x="1199043" y="1043775"/>
             <a:ext cx="6634783" cy="369332"/>
-            <a:chOff x="2259623" y="2182542"/>
+            <a:chOff x="1199043" y="1043775"/>
             <a:chExt cx="6634783" cy="369332"/>
           </a:xfrm>
         </p:grpSpPr>
         <p:sp>
           <p:nvSpPr>
-            <p:cNvPr id="2" name="箭头: V 形 1">
+            <p:cNvPr id="48" name="箭头: V 形 47">
               <a:extLst>
                 <a:ext uri="{FF2B5EF4-FFF2-40B4-BE49-F238E27FC236}">
-                  <a16:creationId xmlns:a16="http://schemas.microsoft.com/office/drawing/2014/main" id="{A312C813-5C09-41A4-BD42-47B352CFF218}"/>
+                  <a16:creationId xmlns:a16="http://schemas.microsoft.com/office/drawing/2014/main" id="{760053EA-7D83-46C8-980D-7205F904E1C6}"/>
                 </a:ext>
               </a:extLst>
             </p:cNvPr>
@@ -3522,7 +3523,7 @@
           </p:nvSpPr>
           <p:spPr>
             <a:xfrm>
-              <a:off x="2259623" y="2277208"/>
+              <a:off x="1199043" y="1138441"/>
               <a:ext cx="324000" cy="180000"/>
             </a:xfrm>
             <a:prstGeom prst="chevron">
@@ -3560,10 +3561,10 @@
         </p:sp>
         <p:sp>
           <p:nvSpPr>
-            <p:cNvPr id="33" name="文本框 32">
+            <p:cNvPr id="49" name="文本框 48">
               <a:extLst>
                 <a:ext uri="{FF2B5EF4-FFF2-40B4-BE49-F238E27FC236}">
-                  <a16:creationId xmlns:a16="http://schemas.microsoft.com/office/drawing/2014/main" id="{DA6A0843-B96B-43C1-A646-5113A82BCB5A}"/>
+                  <a16:creationId xmlns:a16="http://schemas.microsoft.com/office/drawing/2014/main" id="{7CC76CB3-F216-497B-9DC8-3EC92EFE9E21}"/>
                 </a:ext>
               </a:extLst>
             </p:cNvPr>
@@ -3572,7 +3573,7 @@
           </p:nvSpPr>
           <p:spPr>
             <a:xfrm>
-              <a:off x="2796852" y="2182542"/>
+              <a:off x="1736272" y="1043775"/>
               <a:ext cx="6097554" cy="369332"/>
             </a:xfrm>
             <a:prstGeom prst="rect">
@@ -3587,11 +3588,11 @@
             <a:lstStyle/>
             <a:p>
               <a:r>
-                <a:rPr lang="zh-CN" altLang="en-US" sz="1800" b="1">
+                <a:rPr lang="zh-CN" altLang="en-US" b="1">
                   <a:latin typeface="Consolas" panose="020B0609020204030204" pitchFamily="49" charset="0"/>
                   <a:ea typeface="微软雅黑" panose="020B0503020204020204" pitchFamily="34" charset="-122"/>
                 </a:rPr>
-                <a:t>基金会成员</a:t>
+                <a:t>表结构</a:t>
               </a:r>
               <a:endParaRPr lang="zh-CN" altLang="en-US"/>
             </a:p>
@@ -3600,10 +3601,10 @@
       </p:grpSp>
       <p:grpSp>
         <p:nvGrpSpPr>
-          <p:cNvPr id="35" name="组合 34">
+          <p:cNvPr id="50" name="组合 49">
             <a:extLst>
               <a:ext uri="{FF2B5EF4-FFF2-40B4-BE49-F238E27FC236}">
-                <a16:creationId xmlns:a16="http://schemas.microsoft.com/office/drawing/2014/main" id="{97626578-461A-4C8B-85C6-BC8B55F881D2}"/>
+                <a16:creationId xmlns:a16="http://schemas.microsoft.com/office/drawing/2014/main" id="{6640673F-AC1D-4841-9817-5374EBB5B60A}"/>
               </a:ext>
             </a:extLst>
           </p:cNvPr>
@@ -3612,18 +3613,18 @@
         </p:nvGrpSpPr>
         <p:grpSpPr>
           <a:xfrm>
-            <a:off x="1199043" y="1599078"/>
+            <a:off x="1199043" y="4720702"/>
             <a:ext cx="6634783" cy="369332"/>
-            <a:chOff x="2259623" y="2182542"/>
+            <a:chOff x="1199043" y="4720702"/>
             <a:chExt cx="6634783" cy="369332"/>
           </a:xfrm>
         </p:grpSpPr>
         <p:sp>
           <p:nvSpPr>
-            <p:cNvPr id="36" name="箭头: V 形 35">
+            <p:cNvPr id="51" name="箭头: V 形 50">
               <a:extLst>
                 <a:ext uri="{FF2B5EF4-FFF2-40B4-BE49-F238E27FC236}">
-                  <a16:creationId xmlns:a16="http://schemas.microsoft.com/office/drawing/2014/main" id="{C985E1AC-A52C-4E6D-9FB8-CDA8CE9EE64C}"/>
+                  <a16:creationId xmlns:a16="http://schemas.microsoft.com/office/drawing/2014/main" id="{8E404A13-C307-4988-BFEA-7DDC0B235250}"/>
                 </a:ext>
               </a:extLst>
             </p:cNvPr>
@@ -3632,7 +3633,7 @@
           </p:nvSpPr>
           <p:spPr>
             <a:xfrm>
-              <a:off x="2259623" y="2277208"/>
+              <a:off x="1199043" y="4815368"/>
               <a:ext cx="324000" cy="180000"/>
             </a:xfrm>
             <a:prstGeom prst="chevron">
@@ -3670,10 +3671,10 @@
         </p:sp>
         <p:sp>
           <p:nvSpPr>
-            <p:cNvPr id="37" name="文本框 36">
+            <p:cNvPr id="53" name="文本框 52">
               <a:extLst>
                 <a:ext uri="{FF2B5EF4-FFF2-40B4-BE49-F238E27FC236}">
-                  <a16:creationId xmlns:a16="http://schemas.microsoft.com/office/drawing/2014/main" id="{E6267DE6-D213-43F0-B468-7B0EEB116C03}"/>
+                  <a16:creationId xmlns:a16="http://schemas.microsoft.com/office/drawing/2014/main" id="{D1DE92A2-FD49-4B27-8AAD-DAE9A96DE337}"/>
                 </a:ext>
               </a:extLst>
             </p:cNvPr>
@@ -3682,7 +3683,7 @@
           </p:nvSpPr>
           <p:spPr>
             <a:xfrm>
-              <a:off x="2796852" y="2182542"/>
+              <a:off x="1736272" y="4720702"/>
               <a:ext cx="6097554" cy="369332"/>
             </a:xfrm>
             <a:prstGeom prst="rect">
@@ -3701,19 +3702,22 @@
                   <a:latin typeface="Consolas" panose="020B0609020204030204" pitchFamily="49" charset="0"/>
                   <a:ea typeface="微软雅黑" panose="020B0503020204020204" pitchFamily="34" charset="-122"/>
                 </a:rPr>
-                <a:t>寺院</a:t>
+                <a:t>流程及接口</a:t>
               </a:r>
-              <a:endParaRPr lang="zh-CN" altLang="en-US"/>
+              <a:endParaRPr lang="zh-CN" altLang="en-US" sz="1800" b="1">
+                <a:latin typeface="Consolas" panose="020B0609020204030204" pitchFamily="49" charset="0"/>
+                <a:ea typeface="微软雅黑" panose="020B0503020204020204" pitchFamily="34" charset="-122"/>
+              </a:endParaRPr>
             </a:p>
           </p:txBody>
         </p:sp>
       </p:grpSp>
       <p:grpSp>
         <p:nvGrpSpPr>
-          <p:cNvPr id="38" name="组合 37">
+          <p:cNvPr id="61" name="组合 60">
             <a:extLst>
               <a:ext uri="{FF2B5EF4-FFF2-40B4-BE49-F238E27FC236}">
-                <a16:creationId xmlns:a16="http://schemas.microsoft.com/office/drawing/2014/main" id="{BC521525-960C-48FD-9CC4-86982E1A08D1}"/>
+                <a16:creationId xmlns:a16="http://schemas.microsoft.com/office/drawing/2014/main" id="{8976F88B-02C4-4D8A-AC4C-238321AE7B6E}"/>
               </a:ext>
             </a:extLst>
           </p:cNvPr>
@@ -3722,18 +3726,57 @@
         </p:nvGrpSpPr>
         <p:grpSpPr>
           <a:xfrm>
-            <a:off x="1199043" y="2074681"/>
-            <a:ext cx="6634783" cy="369332"/>
-            <a:chOff x="2259623" y="2182542"/>
-            <a:chExt cx="6634783" cy="369332"/>
+            <a:off x="1628272" y="1548091"/>
+            <a:ext cx="6485472" cy="369332"/>
+            <a:chOff x="1628272" y="1548091"/>
+            <a:chExt cx="6485472" cy="369332"/>
           </a:xfrm>
         </p:grpSpPr>
         <p:sp>
           <p:nvSpPr>
-            <p:cNvPr id="39" name="箭头: V 形 38">
+            <p:cNvPr id="72" name="文本框 71">
               <a:extLst>
                 <a:ext uri="{FF2B5EF4-FFF2-40B4-BE49-F238E27FC236}">
-                  <a16:creationId xmlns:a16="http://schemas.microsoft.com/office/drawing/2014/main" id="{4A68BB4A-7C53-4396-9A18-70EB469EDEE9}"/>
+                  <a16:creationId xmlns:a16="http://schemas.microsoft.com/office/drawing/2014/main" id="{1DEC84A7-0A5A-4A64-8A77-D09F781F7663}"/>
+                </a:ext>
+              </a:extLst>
+            </p:cNvPr>
+            <p:cNvSpPr txBox="1"/>
+            <p:nvPr/>
+          </p:nvSpPr>
+          <p:spPr>
+            <a:xfrm>
+              <a:off x="2016190" y="1548091"/>
+              <a:ext cx="6097554" cy="369332"/>
+            </a:xfrm>
+            <a:prstGeom prst="rect">
+              <a:avLst/>
+            </a:prstGeom>
+            <a:noFill/>
+          </p:spPr>
+          <p:txBody>
+            <a:bodyPr wrap="square">
+              <a:spAutoFit/>
+            </a:bodyPr>
+            <a:lstStyle/>
+            <a:p>
+              <a:r>
+                <a:rPr lang="zh-CN" altLang="en-US" b="1">
+                  <a:latin typeface="Consolas" panose="020B0609020204030204" pitchFamily="49" charset="0"/>
+                  <a:ea typeface="微软雅黑" panose="020B0503020204020204" pitchFamily="34" charset="-122"/>
+                </a:rPr>
+                <a:t>房间</a:t>
+              </a:r>
+              <a:endParaRPr lang="zh-CN" altLang="en-US"/>
+            </a:p>
+          </p:txBody>
+        </p:sp>
+        <p:sp>
+          <p:nvSpPr>
+            <p:cNvPr id="73" name="菱形 72">
+              <a:extLst>
+                <a:ext uri="{FF2B5EF4-FFF2-40B4-BE49-F238E27FC236}">
+                  <a16:creationId xmlns:a16="http://schemas.microsoft.com/office/drawing/2014/main" id="{B305B778-36C5-4113-8582-0FCF85B7DE90}"/>
                 </a:ext>
               </a:extLst>
             </p:cNvPr>
@@ -3742,10 +3785,10 @@
           </p:nvSpPr>
           <p:spPr>
             <a:xfrm>
-              <a:off x="2259623" y="2277208"/>
-              <a:ext cx="324000" cy="180000"/>
+              <a:off x="1628272" y="1624757"/>
+              <a:ext cx="216000" cy="216000"/>
             </a:xfrm>
-            <a:prstGeom prst="chevron">
+            <a:prstGeom prst="diamond">
               <a:avLst/>
             </a:prstGeom>
           </p:spPr>
@@ -3770,20 +3813,37 @@
             <a:lstStyle/>
             <a:p>
               <a:pPr algn="ctr"/>
-              <a:endParaRPr lang="zh-CN" altLang="en-US">
-                <a:solidFill>
-                  <a:schemeClr val="tx1"/>
-                </a:solidFill>
-              </a:endParaRPr>
+              <a:endParaRPr lang="zh-CN" altLang="en-US"/>
             </a:p>
           </p:txBody>
         </p:sp>
+      </p:grpSp>
+      <p:grpSp>
+        <p:nvGrpSpPr>
+          <p:cNvPr id="74" name="组合 73">
+            <a:extLst>
+              <a:ext uri="{FF2B5EF4-FFF2-40B4-BE49-F238E27FC236}">
+                <a16:creationId xmlns:a16="http://schemas.microsoft.com/office/drawing/2014/main" id="{7352AF3F-54E9-4521-ADA7-8AA4871D65F8}"/>
+              </a:ext>
+            </a:extLst>
+          </p:cNvPr>
+          <p:cNvGrpSpPr/>
+          <p:nvPr/>
+        </p:nvGrpSpPr>
+        <p:grpSpPr>
+          <a:xfrm>
+            <a:off x="1628272" y="1972597"/>
+            <a:ext cx="6485472" cy="369332"/>
+            <a:chOff x="1628272" y="1988082"/>
+            <a:chExt cx="6485472" cy="369332"/>
+          </a:xfrm>
+        </p:grpSpPr>
         <p:sp>
           <p:nvSpPr>
-            <p:cNvPr id="40" name="文本框 39">
+            <p:cNvPr id="75" name="文本框 74">
               <a:extLst>
                 <a:ext uri="{FF2B5EF4-FFF2-40B4-BE49-F238E27FC236}">
-                  <a16:creationId xmlns:a16="http://schemas.microsoft.com/office/drawing/2014/main" id="{E9F6A35D-F1C7-493E-B064-A2FADF049FBD}"/>
+                  <a16:creationId xmlns:a16="http://schemas.microsoft.com/office/drawing/2014/main" id="{22186385-30AE-4AF7-911B-2DA05C3DE861}"/>
                 </a:ext>
               </a:extLst>
             </p:cNvPr>
@@ -3792,7 +3852,7 @@
           </p:nvSpPr>
           <p:spPr>
             <a:xfrm>
-              <a:off x="2796852" y="2182542"/>
+              <a:off x="2016190" y="1988082"/>
               <a:ext cx="6097554" cy="369332"/>
             </a:xfrm>
             <a:prstGeom prst="rect">
@@ -3807,43 +3867,23 @@
             <a:lstStyle/>
             <a:p>
               <a:r>
-                <a:rPr lang="zh-CN" altLang="en-US" sz="1800" b="1">
+                <a:rPr lang="zh-CN" altLang="en-US" b="1">
                   <a:latin typeface="Consolas" panose="020B0609020204030204" pitchFamily="49" charset="0"/>
                   <a:ea typeface="微软雅黑" panose="020B0503020204020204" pitchFamily="34" charset="-122"/>
+                  <a:hlinkClick r:id="rId2" action="ppaction://hlinksldjump"/>
                 </a:rPr>
-                <a:t>法师</a:t>
+                <a:t>游客</a:t>
               </a:r>
               <a:endParaRPr lang="zh-CN" altLang="en-US"/>
             </a:p>
           </p:txBody>
         </p:sp>
-      </p:grpSp>
-      <p:grpSp>
-        <p:nvGrpSpPr>
-          <p:cNvPr id="41" name="组合 40">
-            <a:extLst>
-              <a:ext uri="{FF2B5EF4-FFF2-40B4-BE49-F238E27FC236}">
-                <a16:creationId xmlns:a16="http://schemas.microsoft.com/office/drawing/2014/main" id="{EB51D245-B715-4332-A0DB-60096F4B151D}"/>
-              </a:ext>
-            </a:extLst>
-          </p:cNvPr>
-          <p:cNvGrpSpPr/>
-          <p:nvPr/>
-        </p:nvGrpSpPr>
-        <p:grpSpPr>
-          <a:xfrm>
-            <a:off x="1199043" y="2550284"/>
-            <a:ext cx="6634783" cy="369332"/>
-            <a:chOff x="2259623" y="2182542"/>
-            <a:chExt cx="6634783" cy="369332"/>
-          </a:xfrm>
-        </p:grpSpPr>
         <p:sp>
           <p:nvSpPr>
-            <p:cNvPr id="42" name="箭头: V 形 41">
+            <p:cNvPr id="76" name="菱形 75">
               <a:extLst>
                 <a:ext uri="{FF2B5EF4-FFF2-40B4-BE49-F238E27FC236}">
-                  <a16:creationId xmlns:a16="http://schemas.microsoft.com/office/drawing/2014/main" id="{3BC4E077-AC6F-4955-9786-E646B8FE9CAC}"/>
+                  <a16:creationId xmlns:a16="http://schemas.microsoft.com/office/drawing/2014/main" id="{518C9E34-D0C3-4EA9-9EF0-B9750951B0F5}"/>
                 </a:ext>
               </a:extLst>
             </p:cNvPr>
@@ -3852,10 +3892,10 @@
           </p:nvSpPr>
           <p:spPr>
             <a:xfrm>
-              <a:off x="2259623" y="2277208"/>
-              <a:ext cx="324000" cy="180000"/>
+              <a:off x="1628272" y="2064748"/>
+              <a:ext cx="216000" cy="216000"/>
             </a:xfrm>
-            <a:prstGeom prst="chevron">
+            <a:prstGeom prst="diamond">
               <a:avLst/>
             </a:prstGeom>
           </p:spPr>
@@ -3880,20 +3920,37 @@
             <a:lstStyle/>
             <a:p>
               <a:pPr algn="ctr"/>
-              <a:endParaRPr lang="zh-CN" altLang="en-US">
-                <a:solidFill>
-                  <a:schemeClr val="tx1"/>
-                </a:solidFill>
-              </a:endParaRPr>
+              <a:endParaRPr lang="zh-CN" altLang="en-US"/>
             </a:p>
           </p:txBody>
         </p:sp>
+      </p:grpSp>
+      <p:grpSp>
+        <p:nvGrpSpPr>
+          <p:cNvPr id="77" name="组合 76">
+            <a:extLst>
+              <a:ext uri="{FF2B5EF4-FFF2-40B4-BE49-F238E27FC236}">
+                <a16:creationId xmlns:a16="http://schemas.microsoft.com/office/drawing/2014/main" id="{16EE42D9-D9EB-444E-A5A5-140D18938CBF}"/>
+              </a:ext>
+            </a:extLst>
+          </p:cNvPr>
+          <p:cNvGrpSpPr/>
+          <p:nvPr/>
+        </p:nvGrpSpPr>
+        <p:grpSpPr>
+          <a:xfrm>
+            <a:off x="1628272" y="2397103"/>
+            <a:ext cx="6485472" cy="369332"/>
+            <a:chOff x="1628272" y="2488205"/>
+            <a:chExt cx="6485472" cy="369332"/>
+          </a:xfrm>
+        </p:grpSpPr>
         <p:sp>
           <p:nvSpPr>
-            <p:cNvPr id="43" name="文本框 42">
+            <p:cNvPr id="78" name="文本框 77">
               <a:extLst>
                 <a:ext uri="{FF2B5EF4-FFF2-40B4-BE49-F238E27FC236}">
-                  <a16:creationId xmlns:a16="http://schemas.microsoft.com/office/drawing/2014/main" id="{5D269F70-BA56-4E86-991F-3E2FE3DFF7B6}"/>
+                  <a16:creationId xmlns:a16="http://schemas.microsoft.com/office/drawing/2014/main" id="{98452231-D690-4AF8-A9D1-F8DD7A4F9A24}"/>
                 </a:ext>
               </a:extLst>
             </p:cNvPr>
@@ -3902,7 +3959,7 @@
           </p:nvSpPr>
           <p:spPr>
             <a:xfrm>
-              <a:off x="2796852" y="2182542"/>
+              <a:off x="2016190" y="2488205"/>
               <a:ext cx="6097554" cy="369332"/>
             </a:xfrm>
             <a:prstGeom prst="rect">
@@ -3917,43 +3974,23 @@
             <a:lstStyle/>
             <a:p>
               <a:r>
-                <a:rPr lang="zh-CN" altLang="en-US" sz="1800" b="1">
+                <a:rPr lang="zh-CN" altLang="en-US" b="1">
                   <a:latin typeface="Consolas" panose="020B0609020204030204" pitchFamily="49" charset="0"/>
                   <a:ea typeface="微软雅黑" panose="020B0503020204020204" pitchFamily="34" charset="-122"/>
+                  <a:hlinkClick r:id="rId3" action="ppaction://hlinksldjump"/>
                 </a:rPr>
-                <a:t>法师加入寺院</a:t>
+                <a:t>用户</a:t>
               </a:r>
               <a:endParaRPr lang="zh-CN" altLang="en-US"/>
             </a:p>
           </p:txBody>
         </p:sp>
-      </p:grpSp>
-      <p:grpSp>
-        <p:nvGrpSpPr>
-          <p:cNvPr id="44" name="组合 43">
-            <a:extLst>
-              <a:ext uri="{FF2B5EF4-FFF2-40B4-BE49-F238E27FC236}">
-                <a16:creationId xmlns:a16="http://schemas.microsoft.com/office/drawing/2014/main" id="{9B711DA0-10CD-461C-B9CE-F3E272C1D39C}"/>
-              </a:ext>
-            </a:extLst>
-          </p:cNvPr>
-          <p:cNvGrpSpPr/>
-          <p:nvPr/>
-        </p:nvGrpSpPr>
-        <p:grpSpPr>
-          <a:xfrm>
-            <a:off x="1199043" y="3025887"/>
-            <a:ext cx="6634783" cy="369332"/>
-            <a:chOff x="2259623" y="2182542"/>
-            <a:chExt cx="6634783" cy="369332"/>
-          </a:xfrm>
-        </p:grpSpPr>
         <p:sp>
           <p:nvSpPr>
-            <p:cNvPr id="45" name="箭头: V 形 44">
+            <p:cNvPr id="79" name="菱形 78">
               <a:extLst>
                 <a:ext uri="{FF2B5EF4-FFF2-40B4-BE49-F238E27FC236}">
-                  <a16:creationId xmlns:a16="http://schemas.microsoft.com/office/drawing/2014/main" id="{24CFCFE2-EA6A-4F81-A4B0-ECC7577EC338}"/>
+                  <a16:creationId xmlns:a16="http://schemas.microsoft.com/office/drawing/2014/main" id="{74026BB0-6ED7-4164-83C8-5A358C4A2978}"/>
                 </a:ext>
               </a:extLst>
             </p:cNvPr>
@@ -3962,10 +3999,10 @@
           </p:nvSpPr>
           <p:spPr>
             <a:xfrm>
-              <a:off x="2259623" y="2277208"/>
-              <a:ext cx="324000" cy="180000"/>
+              <a:off x="1628272" y="2564871"/>
+              <a:ext cx="216000" cy="216000"/>
             </a:xfrm>
-            <a:prstGeom prst="chevron">
+            <a:prstGeom prst="diamond">
               <a:avLst/>
             </a:prstGeom>
           </p:spPr>
@@ -3990,20 +4027,37 @@
             <a:lstStyle/>
             <a:p>
               <a:pPr algn="ctr"/>
-              <a:endParaRPr lang="zh-CN" altLang="en-US">
-                <a:solidFill>
-                  <a:schemeClr val="tx1"/>
-                </a:solidFill>
-              </a:endParaRPr>
+              <a:endParaRPr lang="zh-CN" altLang="en-US"/>
             </a:p>
           </p:txBody>
         </p:sp>
+      </p:grpSp>
+      <p:grpSp>
+        <p:nvGrpSpPr>
+          <p:cNvPr id="80" name="组合 79">
+            <a:extLst>
+              <a:ext uri="{FF2B5EF4-FFF2-40B4-BE49-F238E27FC236}">
+                <a16:creationId xmlns:a16="http://schemas.microsoft.com/office/drawing/2014/main" id="{71899876-76B2-4E9A-93BF-FC900A6B4587}"/>
+              </a:ext>
+            </a:extLst>
+          </p:cNvPr>
+          <p:cNvGrpSpPr/>
+          <p:nvPr/>
+        </p:nvGrpSpPr>
+        <p:grpSpPr>
+          <a:xfrm>
+            <a:off x="1628272" y="2821609"/>
+            <a:ext cx="6485472" cy="369332"/>
+            <a:chOff x="1628272" y="2916973"/>
+            <a:chExt cx="6485472" cy="369332"/>
+          </a:xfrm>
+        </p:grpSpPr>
         <p:sp>
           <p:nvSpPr>
-            <p:cNvPr id="46" name="文本框 45">
+            <p:cNvPr id="81" name="文本框 80">
               <a:extLst>
                 <a:ext uri="{FF2B5EF4-FFF2-40B4-BE49-F238E27FC236}">
-                  <a16:creationId xmlns:a16="http://schemas.microsoft.com/office/drawing/2014/main" id="{4B7A6BFD-5584-4F59-AC3B-3373DE532DC9}"/>
+                  <a16:creationId xmlns:a16="http://schemas.microsoft.com/office/drawing/2014/main" id="{A14C9C11-B755-4748-9285-ECC49D46CA40}"/>
                 </a:ext>
               </a:extLst>
             </p:cNvPr>
@@ -4012,7 +4066,7 @@
           </p:nvSpPr>
           <p:spPr>
             <a:xfrm>
-              <a:off x="2796852" y="2182542"/>
+              <a:off x="2016190" y="2916973"/>
               <a:ext cx="6097554" cy="369332"/>
             </a:xfrm>
             <a:prstGeom prst="rect">
@@ -4027,43 +4081,23 @@
             <a:lstStyle/>
             <a:p>
               <a:r>
-                <a:rPr lang="zh-CN" altLang="en-US" sz="1800" b="1">
+                <a:rPr lang="zh-CN" altLang="en-US" b="1">
                   <a:latin typeface="Consolas" panose="020B0609020204030204" pitchFamily="49" charset="0"/>
                   <a:ea typeface="微软雅黑" panose="020B0503020204020204" pitchFamily="34" charset="-122"/>
+                  <a:hlinkClick r:id="rId4" action="ppaction://hlinksldjump"/>
                 </a:rPr>
-                <a:t>善举类型</a:t>
+                <a:t>逝者</a:t>
               </a:r>
               <a:endParaRPr lang="zh-CN" altLang="en-US"/>
             </a:p>
           </p:txBody>
         </p:sp>
-      </p:grpSp>
-      <p:grpSp>
-        <p:nvGrpSpPr>
-          <p:cNvPr id="52" name="组合 51">
-            <a:extLst>
-              <a:ext uri="{FF2B5EF4-FFF2-40B4-BE49-F238E27FC236}">
-                <a16:creationId xmlns:a16="http://schemas.microsoft.com/office/drawing/2014/main" id="{FF46345E-F881-4720-9E57-0F287CBFCBEB}"/>
-              </a:ext>
-            </a:extLst>
-          </p:cNvPr>
-          <p:cNvGrpSpPr/>
-          <p:nvPr/>
-        </p:nvGrpSpPr>
-        <p:grpSpPr>
-          <a:xfrm>
-            <a:off x="1199043" y="3501490"/>
-            <a:ext cx="6634783" cy="369332"/>
-            <a:chOff x="2259623" y="2182542"/>
-            <a:chExt cx="6634783" cy="369332"/>
-          </a:xfrm>
-        </p:grpSpPr>
         <p:sp>
           <p:nvSpPr>
-            <p:cNvPr id="54" name="箭头: V 形 53">
+            <p:cNvPr id="82" name="菱形 81">
               <a:extLst>
                 <a:ext uri="{FF2B5EF4-FFF2-40B4-BE49-F238E27FC236}">
-                  <a16:creationId xmlns:a16="http://schemas.microsoft.com/office/drawing/2014/main" id="{63CE485E-4401-4C5D-9356-AC0CFFD3223E}"/>
+                  <a16:creationId xmlns:a16="http://schemas.microsoft.com/office/drawing/2014/main" id="{8208B2F6-F690-40CA-B462-7CC95DB9A536}"/>
                 </a:ext>
               </a:extLst>
             </p:cNvPr>
@@ -4072,10 +4106,10 @@
           </p:nvSpPr>
           <p:spPr>
             <a:xfrm>
-              <a:off x="2259623" y="2277208"/>
-              <a:ext cx="324000" cy="180000"/>
+              <a:off x="1628272" y="2993639"/>
+              <a:ext cx="216000" cy="216000"/>
             </a:xfrm>
-            <a:prstGeom prst="chevron">
+            <a:prstGeom prst="diamond">
               <a:avLst/>
             </a:prstGeom>
           </p:spPr>
@@ -4100,20 +4134,37 @@
             <a:lstStyle/>
             <a:p>
               <a:pPr algn="ctr"/>
-              <a:endParaRPr lang="zh-CN" altLang="en-US">
-                <a:solidFill>
-                  <a:schemeClr val="tx1"/>
-                </a:solidFill>
-              </a:endParaRPr>
+              <a:endParaRPr lang="zh-CN" altLang="en-US"/>
             </a:p>
           </p:txBody>
         </p:sp>
+      </p:grpSp>
+      <p:grpSp>
+        <p:nvGrpSpPr>
+          <p:cNvPr id="83" name="组合 82">
+            <a:extLst>
+              <a:ext uri="{FF2B5EF4-FFF2-40B4-BE49-F238E27FC236}">
+                <a16:creationId xmlns:a16="http://schemas.microsoft.com/office/drawing/2014/main" id="{4CDE8A10-2B54-4A21-BD62-38D239D62C81}"/>
+              </a:ext>
+            </a:extLst>
+          </p:cNvPr>
+          <p:cNvGrpSpPr/>
+          <p:nvPr/>
+        </p:nvGrpSpPr>
+        <p:grpSpPr>
+          <a:xfrm>
+            <a:off x="1628272" y="3246115"/>
+            <a:ext cx="6485472" cy="369332"/>
+            <a:chOff x="1628272" y="3360729"/>
+            <a:chExt cx="6485472" cy="369332"/>
+          </a:xfrm>
+        </p:grpSpPr>
         <p:sp>
           <p:nvSpPr>
-            <p:cNvPr id="55" name="文本框 54">
+            <p:cNvPr id="84" name="文本框 83">
               <a:extLst>
                 <a:ext uri="{FF2B5EF4-FFF2-40B4-BE49-F238E27FC236}">
-                  <a16:creationId xmlns:a16="http://schemas.microsoft.com/office/drawing/2014/main" id="{A613690C-F156-42CA-877A-61ABC9EEB003}"/>
+                  <a16:creationId xmlns:a16="http://schemas.microsoft.com/office/drawing/2014/main" id="{2880F878-D51B-4F27-8D9C-D44738DCC3C7}"/>
                 </a:ext>
               </a:extLst>
             </p:cNvPr>
@@ -4122,7 +4173,7 @@
           </p:nvSpPr>
           <p:spPr>
             <a:xfrm>
-              <a:off x="2796852" y="2182542"/>
+              <a:off x="2016190" y="3360729"/>
               <a:ext cx="6097554" cy="369332"/>
             </a:xfrm>
             <a:prstGeom prst="rect">
@@ -4137,43 +4188,23 @@
             <a:lstStyle/>
             <a:p>
               <a:r>
-                <a:rPr lang="zh-CN" altLang="en-US" sz="1800" b="1">
+                <a:rPr lang="zh-CN" altLang="en-US" b="1">
                   <a:latin typeface="Consolas" panose="020B0609020204030204" pitchFamily="49" charset="0"/>
                   <a:ea typeface="微软雅黑" panose="020B0503020204020204" pitchFamily="34" charset="-122"/>
+                  <a:hlinkClick r:id="rId5" action="ppaction://hlinksldjump"/>
                 </a:rPr>
-                <a:t>生成善举</a:t>
+                <a:t>寺院</a:t>
               </a:r>
               <a:endParaRPr lang="zh-CN" altLang="en-US"/>
             </a:p>
           </p:txBody>
         </p:sp>
-      </p:grpSp>
-      <p:grpSp>
-        <p:nvGrpSpPr>
-          <p:cNvPr id="56" name="组合 55">
-            <a:extLst>
-              <a:ext uri="{FF2B5EF4-FFF2-40B4-BE49-F238E27FC236}">
-                <a16:creationId xmlns:a16="http://schemas.microsoft.com/office/drawing/2014/main" id="{C2FC795F-5A4D-46B5-BE93-147D6B853AE8}"/>
-              </a:ext>
-            </a:extLst>
-          </p:cNvPr>
-          <p:cNvGrpSpPr/>
-          <p:nvPr/>
-        </p:nvGrpSpPr>
-        <p:grpSpPr>
-          <a:xfrm>
-            <a:off x="1199043" y="3977093"/>
-            <a:ext cx="6634783" cy="369332"/>
-            <a:chOff x="2259623" y="2182542"/>
-            <a:chExt cx="6634783" cy="369332"/>
-          </a:xfrm>
-        </p:grpSpPr>
         <p:sp>
           <p:nvSpPr>
-            <p:cNvPr id="57" name="箭头: V 形 56">
+            <p:cNvPr id="85" name="菱形 84">
               <a:extLst>
                 <a:ext uri="{FF2B5EF4-FFF2-40B4-BE49-F238E27FC236}">
-                  <a16:creationId xmlns:a16="http://schemas.microsoft.com/office/drawing/2014/main" id="{4587E532-9F76-416E-8C53-6DCB35B93B3C}"/>
+                  <a16:creationId xmlns:a16="http://schemas.microsoft.com/office/drawing/2014/main" id="{766ED752-8022-48F9-ADCB-F6E620DC5E4D}"/>
                 </a:ext>
               </a:extLst>
             </p:cNvPr>
@@ -4182,10 +4213,10 @@
           </p:nvSpPr>
           <p:spPr>
             <a:xfrm>
-              <a:off x="2259623" y="2277208"/>
-              <a:ext cx="324000" cy="180000"/>
+              <a:off x="1628272" y="3437395"/>
+              <a:ext cx="216000" cy="216000"/>
             </a:xfrm>
-            <a:prstGeom prst="chevron">
+            <a:prstGeom prst="diamond">
               <a:avLst/>
             </a:prstGeom>
           </p:spPr>
@@ -4210,20 +4241,37 @@
             <a:lstStyle/>
             <a:p>
               <a:pPr algn="ctr"/>
-              <a:endParaRPr lang="zh-CN" altLang="en-US">
-                <a:solidFill>
-                  <a:schemeClr val="tx1"/>
-                </a:solidFill>
-              </a:endParaRPr>
+              <a:endParaRPr lang="zh-CN" altLang="en-US"/>
             </a:p>
           </p:txBody>
         </p:sp>
+      </p:grpSp>
+      <p:grpSp>
+        <p:nvGrpSpPr>
+          <p:cNvPr id="86" name="组合 85">
+            <a:extLst>
+              <a:ext uri="{FF2B5EF4-FFF2-40B4-BE49-F238E27FC236}">
+                <a16:creationId xmlns:a16="http://schemas.microsoft.com/office/drawing/2014/main" id="{BE3F7830-0907-4F51-A989-4F417D4E0124}"/>
+              </a:ext>
+            </a:extLst>
+          </p:cNvPr>
+          <p:cNvGrpSpPr/>
+          <p:nvPr/>
+        </p:nvGrpSpPr>
+        <p:grpSpPr>
+          <a:xfrm>
+            <a:off x="1628272" y="3670621"/>
+            <a:ext cx="6485472" cy="369332"/>
+            <a:chOff x="1628272" y="3689578"/>
+            <a:chExt cx="6485472" cy="369332"/>
+          </a:xfrm>
+        </p:grpSpPr>
         <p:sp>
           <p:nvSpPr>
-            <p:cNvPr id="58" name="文本框 57">
+            <p:cNvPr id="87" name="文本框 86">
               <a:extLst>
                 <a:ext uri="{FF2B5EF4-FFF2-40B4-BE49-F238E27FC236}">
-                  <a16:creationId xmlns:a16="http://schemas.microsoft.com/office/drawing/2014/main" id="{7DB18B8A-4E84-438F-98A9-6CD82AF26E8F}"/>
+                  <a16:creationId xmlns:a16="http://schemas.microsoft.com/office/drawing/2014/main" id="{78570B48-1457-4DF0-A9A8-690EC3C6CA67}"/>
                 </a:ext>
               </a:extLst>
             </p:cNvPr>
@@ -4232,7 +4280,7 @@
           </p:nvSpPr>
           <p:spPr>
             <a:xfrm>
-              <a:off x="2796852" y="2182542"/>
+              <a:off x="2016190" y="3689578"/>
               <a:ext cx="6097554" cy="369332"/>
             </a:xfrm>
             <a:prstGeom prst="rect">
@@ -4247,43 +4295,23 @@
             <a:lstStyle/>
             <a:p>
               <a:r>
-                <a:rPr lang="zh-CN" altLang="en-US" sz="1800" b="1">
+                <a:rPr lang="zh-CN" altLang="en-US" b="1">
                   <a:latin typeface="Consolas" panose="020B0609020204030204" pitchFamily="49" charset="0"/>
                   <a:ea typeface="微软雅黑" panose="020B0503020204020204" pitchFamily="34" charset="-122"/>
+                  <a:hlinkClick r:id="rId6" action="ppaction://hlinksldjump"/>
                 </a:rPr>
-                <a:t>上下架</a:t>
+                <a:t>法师</a:t>
               </a:r>
               <a:endParaRPr lang="zh-CN" altLang="en-US"/>
             </a:p>
           </p:txBody>
         </p:sp>
-      </p:grpSp>
-      <p:grpSp>
-        <p:nvGrpSpPr>
-          <p:cNvPr id="59" name="组合 58">
-            <a:extLst>
-              <a:ext uri="{FF2B5EF4-FFF2-40B4-BE49-F238E27FC236}">
-                <a16:creationId xmlns:a16="http://schemas.microsoft.com/office/drawing/2014/main" id="{965CE586-B14C-4597-8EA2-94CEE04DDDC9}"/>
-              </a:ext>
-            </a:extLst>
-          </p:cNvPr>
-          <p:cNvGrpSpPr/>
-          <p:nvPr/>
-        </p:nvGrpSpPr>
-        <p:grpSpPr>
-          <a:xfrm>
-            <a:off x="1199043" y="4452696"/>
-            <a:ext cx="6634783" cy="369332"/>
-            <a:chOff x="2259623" y="2182542"/>
-            <a:chExt cx="6634783" cy="369332"/>
-          </a:xfrm>
-        </p:grpSpPr>
         <p:sp>
           <p:nvSpPr>
-            <p:cNvPr id="60" name="箭头: V 形 59">
+            <p:cNvPr id="88" name="菱形 87">
               <a:extLst>
                 <a:ext uri="{FF2B5EF4-FFF2-40B4-BE49-F238E27FC236}">
-                  <a16:creationId xmlns:a16="http://schemas.microsoft.com/office/drawing/2014/main" id="{91A6148C-E43F-492A-87EF-B62C8C7592D8}"/>
+                  <a16:creationId xmlns:a16="http://schemas.microsoft.com/office/drawing/2014/main" id="{434655BE-B481-4AFA-9651-2938D4963DA5}"/>
                 </a:ext>
               </a:extLst>
             </p:cNvPr>
@@ -4292,10 +4320,10 @@
           </p:nvSpPr>
           <p:spPr>
             <a:xfrm>
-              <a:off x="2259623" y="2277208"/>
-              <a:ext cx="324000" cy="180000"/>
+              <a:off x="1628272" y="3766244"/>
+              <a:ext cx="216000" cy="216000"/>
             </a:xfrm>
-            <a:prstGeom prst="chevron">
+            <a:prstGeom prst="diamond">
               <a:avLst/>
             </a:prstGeom>
           </p:spPr>
@@ -4320,20 +4348,37 @@
             <a:lstStyle/>
             <a:p>
               <a:pPr algn="ctr"/>
-              <a:endParaRPr lang="zh-CN" altLang="en-US">
-                <a:solidFill>
-                  <a:schemeClr val="tx1"/>
-                </a:solidFill>
-              </a:endParaRPr>
+              <a:endParaRPr lang="zh-CN" altLang="en-US"/>
             </a:p>
           </p:txBody>
         </p:sp>
+      </p:grpSp>
+      <p:grpSp>
+        <p:nvGrpSpPr>
+          <p:cNvPr id="89" name="组合 88">
+            <a:extLst>
+              <a:ext uri="{FF2B5EF4-FFF2-40B4-BE49-F238E27FC236}">
+                <a16:creationId xmlns:a16="http://schemas.microsoft.com/office/drawing/2014/main" id="{58227CFB-4584-4349-82BB-0A965999CCFD}"/>
+              </a:ext>
+            </a:extLst>
+          </p:cNvPr>
+          <p:cNvGrpSpPr/>
+          <p:nvPr/>
+        </p:nvGrpSpPr>
+        <p:grpSpPr>
+          <a:xfrm>
+            <a:off x="1628272" y="4095130"/>
+            <a:ext cx="6485472" cy="369332"/>
+            <a:chOff x="1628272" y="4095130"/>
+            <a:chExt cx="6485472" cy="369332"/>
+          </a:xfrm>
+        </p:grpSpPr>
         <p:sp>
           <p:nvSpPr>
-            <p:cNvPr id="62" name="文本框 61">
+            <p:cNvPr id="90" name="文本框 89">
               <a:extLst>
                 <a:ext uri="{FF2B5EF4-FFF2-40B4-BE49-F238E27FC236}">
-                  <a16:creationId xmlns:a16="http://schemas.microsoft.com/office/drawing/2014/main" id="{D090A073-C345-4667-86B0-3251D95E066F}"/>
+                  <a16:creationId xmlns:a16="http://schemas.microsoft.com/office/drawing/2014/main" id="{CC7494A8-A872-4615-969F-0739E68243A2}"/>
                 </a:ext>
               </a:extLst>
             </p:cNvPr>
@@ -4342,7 +4387,7 @@
           </p:nvSpPr>
           <p:spPr>
             <a:xfrm>
-              <a:off x="2796852" y="2182542"/>
+              <a:off x="2016190" y="4095130"/>
               <a:ext cx="6097554" cy="369332"/>
             </a:xfrm>
             <a:prstGeom prst="rect">
@@ -4357,43 +4402,23 @@
             <a:lstStyle/>
             <a:p>
               <a:r>
-                <a:rPr lang="zh-CN" altLang="en-US" sz="1800" b="1">
+                <a:rPr lang="zh-CN" altLang="en-US" b="1">
                   <a:latin typeface="Consolas" panose="020B0609020204030204" pitchFamily="49" charset="0"/>
                   <a:ea typeface="微软雅黑" panose="020B0503020204020204" pitchFamily="34" charset="-122"/>
+                  <a:hlinkClick r:id="rId7" action="ppaction://hlinksldjump"/>
                 </a:rPr>
-                <a:t>点评标签</a:t>
+                <a:t>寺院法师</a:t>
               </a:r>
               <a:endParaRPr lang="zh-CN" altLang="en-US"/>
             </a:p>
           </p:txBody>
         </p:sp>
-      </p:grpSp>
-      <p:grpSp>
-        <p:nvGrpSpPr>
-          <p:cNvPr id="63" name="组合 62">
-            <a:extLst>
-              <a:ext uri="{FF2B5EF4-FFF2-40B4-BE49-F238E27FC236}">
-                <a16:creationId xmlns:a16="http://schemas.microsoft.com/office/drawing/2014/main" id="{0EF5A4A7-48B1-4709-80E8-37B4D2932327}"/>
-              </a:ext>
-            </a:extLst>
-          </p:cNvPr>
-          <p:cNvGrpSpPr/>
-          <p:nvPr/>
-        </p:nvGrpSpPr>
-        <p:grpSpPr>
-          <a:xfrm>
-            <a:off x="1199043" y="4928299"/>
-            <a:ext cx="6634783" cy="369332"/>
-            <a:chOff x="2259623" y="2182542"/>
-            <a:chExt cx="6634783" cy="369332"/>
-          </a:xfrm>
-        </p:grpSpPr>
         <p:sp>
           <p:nvSpPr>
-            <p:cNvPr id="64" name="箭头: V 形 63">
+            <p:cNvPr id="91" name="菱形 90">
               <a:extLst>
                 <a:ext uri="{FF2B5EF4-FFF2-40B4-BE49-F238E27FC236}">
-                  <a16:creationId xmlns:a16="http://schemas.microsoft.com/office/drawing/2014/main" id="{8962BB1B-9B55-4A6A-A48E-2B537436D840}"/>
+                  <a16:creationId xmlns:a16="http://schemas.microsoft.com/office/drawing/2014/main" id="{9B6253C9-813D-46E3-A0F8-71793640C707}"/>
                 </a:ext>
               </a:extLst>
             </p:cNvPr>
@@ -4402,10 +4427,10 @@
           </p:nvSpPr>
           <p:spPr>
             <a:xfrm>
-              <a:off x="2259623" y="2277208"/>
-              <a:ext cx="324000" cy="180000"/>
+              <a:off x="1628272" y="4171796"/>
+              <a:ext cx="216000" cy="216000"/>
             </a:xfrm>
-            <a:prstGeom prst="chevron">
+            <a:prstGeom prst="diamond">
               <a:avLst/>
             </a:prstGeom>
           </p:spPr>
@@ -4430,20 +4455,37 @@
             <a:lstStyle/>
             <a:p>
               <a:pPr algn="ctr"/>
-              <a:endParaRPr lang="zh-CN" altLang="en-US">
-                <a:solidFill>
-                  <a:schemeClr val="tx1"/>
-                </a:solidFill>
-              </a:endParaRPr>
+              <a:endParaRPr lang="zh-CN" altLang="en-US"/>
             </a:p>
           </p:txBody>
         </p:sp>
+      </p:grpSp>
+      <p:grpSp>
+        <p:nvGrpSpPr>
+          <p:cNvPr id="92" name="组合 91">
+            <a:extLst>
+              <a:ext uri="{FF2B5EF4-FFF2-40B4-BE49-F238E27FC236}">
+                <a16:creationId xmlns:a16="http://schemas.microsoft.com/office/drawing/2014/main" id="{651869E7-63A7-45A9-AA03-F36E926075E7}"/>
+              </a:ext>
+            </a:extLst>
+          </p:cNvPr>
+          <p:cNvGrpSpPr/>
+          <p:nvPr/>
+        </p:nvGrpSpPr>
+        <p:grpSpPr>
+          <a:xfrm>
+            <a:off x="1628272" y="5238274"/>
+            <a:ext cx="6485472" cy="369332"/>
+            <a:chOff x="1628272" y="3360729"/>
+            <a:chExt cx="6485472" cy="369332"/>
+          </a:xfrm>
+        </p:grpSpPr>
         <p:sp>
           <p:nvSpPr>
-            <p:cNvPr id="65" name="文本框 64">
+            <p:cNvPr id="93" name="文本框 92">
               <a:extLst>
                 <a:ext uri="{FF2B5EF4-FFF2-40B4-BE49-F238E27FC236}">
-                  <a16:creationId xmlns:a16="http://schemas.microsoft.com/office/drawing/2014/main" id="{262C7383-EFF1-46E8-8722-A9BB33649D15}"/>
+                  <a16:creationId xmlns:a16="http://schemas.microsoft.com/office/drawing/2014/main" id="{67EC55C8-3201-48FB-8872-3102799EB736}"/>
                 </a:ext>
               </a:extLst>
             </p:cNvPr>
@@ -4452,7 +4494,7 @@
           </p:nvSpPr>
           <p:spPr>
             <a:xfrm>
-              <a:off x="2796852" y="2182542"/>
+              <a:off x="2016190" y="3360729"/>
               <a:ext cx="6097554" cy="369332"/>
             </a:xfrm>
             <a:prstGeom prst="rect">
@@ -4470,40 +4512,23 @@
                 <a:rPr lang="zh-CN" altLang="en-US" sz="1800" b="1">
                   <a:latin typeface="Consolas" panose="020B0609020204030204" pitchFamily="49" charset="0"/>
                   <a:ea typeface="微软雅黑" panose="020B0503020204020204" pitchFamily="34" charset="-122"/>
+                  <a:hlinkClick r:id="rId3" action="ppaction://hlinksldjump"/>
                 </a:rPr>
-                <a:t>售前点评</a:t>
+                <a:t>申请成为寺院</a:t>
               </a:r>
-              <a:endParaRPr lang="zh-CN" altLang="en-US"/>
+              <a:endParaRPr lang="zh-CN" altLang="en-US" sz="1800" b="1">
+                <a:latin typeface="Consolas" panose="020B0609020204030204" pitchFamily="49" charset="0"/>
+                <a:ea typeface="微软雅黑" panose="020B0503020204020204" pitchFamily="34" charset="-122"/>
+              </a:endParaRPr>
             </a:p>
           </p:txBody>
         </p:sp>
-      </p:grpSp>
-      <p:grpSp>
-        <p:nvGrpSpPr>
-          <p:cNvPr id="66" name="组合 65">
-            <a:extLst>
-              <a:ext uri="{FF2B5EF4-FFF2-40B4-BE49-F238E27FC236}">
-                <a16:creationId xmlns:a16="http://schemas.microsoft.com/office/drawing/2014/main" id="{B5049300-E4FE-47E7-BF55-6FDDCA2DA854}"/>
-              </a:ext>
-            </a:extLst>
-          </p:cNvPr>
-          <p:cNvGrpSpPr/>
-          <p:nvPr/>
-        </p:nvGrpSpPr>
-        <p:grpSpPr>
-          <a:xfrm>
-            <a:off x="1199043" y="5403902"/>
-            <a:ext cx="6634783" cy="369332"/>
-            <a:chOff x="2259623" y="2182542"/>
-            <a:chExt cx="6634783" cy="369332"/>
-          </a:xfrm>
-        </p:grpSpPr>
         <p:sp>
           <p:nvSpPr>
-            <p:cNvPr id="67" name="箭头: V 形 66">
+            <p:cNvPr id="94" name="菱形 93">
               <a:extLst>
                 <a:ext uri="{FF2B5EF4-FFF2-40B4-BE49-F238E27FC236}">
-                  <a16:creationId xmlns:a16="http://schemas.microsoft.com/office/drawing/2014/main" id="{53E611AC-53D4-4567-83B4-7DC54F6FCCBF}"/>
+                  <a16:creationId xmlns:a16="http://schemas.microsoft.com/office/drawing/2014/main" id="{152AFC61-5ABC-422D-9F10-9B304E7C6AA8}"/>
                 </a:ext>
               </a:extLst>
             </p:cNvPr>
@@ -4512,10 +4537,10 @@
           </p:nvSpPr>
           <p:spPr>
             <a:xfrm>
-              <a:off x="2259623" y="2277208"/>
-              <a:ext cx="324000" cy="180000"/>
+              <a:off x="1628272" y="3437395"/>
+              <a:ext cx="216000" cy="216000"/>
             </a:xfrm>
-            <a:prstGeom prst="chevron">
+            <a:prstGeom prst="diamond">
               <a:avLst/>
             </a:prstGeom>
           </p:spPr>
@@ -4540,20 +4565,37 @@
             <a:lstStyle/>
             <a:p>
               <a:pPr algn="ctr"/>
-              <a:endParaRPr lang="zh-CN" altLang="en-US">
-                <a:solidFill>
-                  <a:schemeClr val="tx1"/>
-                </a:solidFill>
-              </a:endParaRPr>
+              <a:endParaRPr lang="zh-CN" altLang="en-US"/>
             </a:p>
           </p:txBody>
         </p:sp>
+      </p:grpSp>
+      <p:grpSp>
+        <p:nvGrpSpPr>
+          <p:cNvPr id="95" name="组合 94">
+            <a:extLst>
+              <a:ext uri="{FF2B5EF4-FFF2-40B4-BE49-F238E27FC236}">
+                <a16:creationId xmlns:a16="http://schemas.microsoft.com/office/drawing/2014/main" id="{F658247D-326F-487F-9DDD-4F35206B75C9}"/>
+              </a:ext>
+            </a:extLst>
+          </p:cNvPr>
+          <p:cNvGrpSpPr/>
+          <p:nvPr/>
+        </p:nvGrpSpPr>
+        <p:grpSpPr>
+          <a:xfrm>
+            <a:off x="1628272" y="5662780"/>
+            <a:ext cx="6485472" cy="369332"/>
+            <a:chOff x="1628272" y="3689578"/>
+            <a:chExt cx="6485472" cy="369332"/>
+          </a:xfrm>
+        </p:grpSpPr>
         <p:sp>
           <p:nvSpPr>
-            <p:cNvPr id="68" name="文本框 67">
+            <p:cNvPr id="96" name="文本框 95">
               <a:extLst>
                 <a:ext uri="{FF2B5EF4-FFF2-40B4-BE49-F238E27FC236}">
-                  <a16:creationId xmlns:a16="http://schemas.microsoft.com/office/drawing/2014/main" id="{9D8DB7C7-F8A6-49B7-996B-4513FDDD26B5}"/>
+                  <a16:creationId xmlns:a16="http://schemas.microsoft.com/office/drawing/2014/main" id="{B9CD93B3-9B2C-456E-8603-C0F4F59A0881}"/>
                 </a:ext>
               </a:extLst>
             </p:cNvPr>
@@ -4562,7 +4604,7 @@
           </p:nvSpPr>
           <p:spPr>
             <a:xfrm>
-              <a:off x="2796852" y="2182542"/>
+              <a:off x="2016190" y="3689578"/>
               <a:ext cx="6097554" cy="369332"/>
             </a:xfrm>
             <a:prstGeom prst="rect">
@@ -4580,40 +4622,23 @@
                 <a:rPr lang="zh-CN" altLang="en-US" sz="1800" b="1">
                   <a:latin typeface="Consolas" panose="020B0609020204030204" pitchFamily="49" charset="0"/>
                   <a:ea typeface="微软雅黑" panose="020B0503020204020204" pitchFamily="34" charset="-122"/>
+                  <a:hlinkClick r:id="rId4" action="ppaction://hlinksldjump"/>
                 </a:rPr>
-                <a:t>祈福</a:t>
+                <a:t>申请成为法师</a:t>
               </a:r>
-              <a:endParaRPr lang="zh-CN" altLang="en-US"/>
+              <a:endParaRPr lang="zh-CN" altLang="en-US" sz="1800" b="1">
+                <a:latin typeface="Consolas" panose="020B0609020204030204" pitchFamily="49" charset="0"/>
+                <a:ea typeface="微软雅黑" panose="020B0503020204020204" pitchFamily="34" charset="-122"/>
+              </a:endParaRPr>
             </a:p>
           </p:txBody>
         </p:sp>
-      </p:grpSp>
-      <p:grpSp>
-        <p:nvGrpSpPr>
-          <p:cNvPr id="69" name="组合 68">
-            <a:extLst>
-              <a:ext uri="{FF2B5EF4-FFF2-40B4-BE49-F238E27FC236}">
-                <a16:creationId xmlns:a16="http://schemas.microsoft.com/office/drawing/2014/main" id="{B80D706B-BBBE-437E-BA7A-BD2A6BCE1CDB}"/>
-              </a:ext>
-            </a:extLst>
-          </p:cNvPr>
-          <p:cNvGrpSpPr/>
-          <p:nvPr/>
-        </p:nvGrpSpPr>
-        <p:grpSpPr>
-          <a:xfrm>
-            <a:off x="1199043" y="5879503"/>
-            <a:ext cx="6634783" cy="369332"/>
-            <a:chOff x="2259623" y="2182542"/>
-            <a:chExt cx="6634783" cy="369332"/>
-          </a:xfrm>
-        </p:grpSpPr>
         <p:sp>
           <p:nvSpPr>
-            <p:cNvPr id="70" name="箭头: V 形 69">
+            <p:cNvPr id="97" name="菱形 96">
               <a:extLst>
                 <a:ext uri="{FF2B5EF4-FFF2-40B4-BE49-F238E27FC236}">
-                  <a16:creationId xmlns:a16="http://schemas.microsoft.com/office/drawing/2014/main" id="{21BE0F97-BEC9-4858-A7B4-F92944619E3C}"/>
+                  <a16:creationId xmlns:a16="http://schemas.microsoft.com/office/drawing/2014/main" id="{261D3A68-DF60-42C9-9BC6-CE597D8AEB6F}"/>
                 </a:ext>
               </a:extLst>
             </p:cNvPr>
@@ -4622,10 +4647,10 @@
           </p:nvSpPr>
           <p:spPr>
             <a:xfrm>
-              <a:off x="2259623" y="2277208"/>
-              <a:ext cx="324000" cy="180000"/>
+              <a:off x="1628272" y="3766244"/>
+              <a:ext cx="216000" cy="216000"/>
             </a:xfrm>
-            <a:prstGeom prst="chevron">
+            <a:prstGeom prst="diamond">
               <a:avLst/>
             </a:prstGeom>
           </p:spPr>
@@ -4650,20 +4675,37 @@
             <a:lstStyle/>
             <a:p>
               <a:pPr algn="ctr"/>
-              <a:endParaRPr lang="zh-CN" altLang="en-US">
-                <a:solidFill>
-                  <a:schemeClr val="tx1"/>
-                </a:solidFill>
-              </a:endParaRPr>
+              <a:endParaRPr lang="zh-CN" altLang="en-US"/>
             </a:p>
           </p:txBody>
         </p:sp>
+      </p:grpSp>
+      <p:grpSp>
+        <p:nvGrpSpPr>
+          <p:cNvPr id="98" name="组合 97">
+            <a:extLst>
+              <a:ext uri="{FF2B5EF4-FFF2-40B4-BE49-F238E27FC236}">
+                <a16:creationId xmlns:a16="http://schemas.microsoft.com/office/drawing/2014/main" id="{7A59000E-4661-4C9D-A071-F6A570301BF2}"/>
+              </a:ext>
+            </a:extLst>
+          </p:cNvPr>
+          <p:cNvGrpSpPr/>
+          <p:nvPr/>
+        </p:nvGrpSpPr>
+        <p:grpSpPr>
+          <a:xfrm>
+            <a:off x="1628272" y="6087289"/>
+            <a:ext cx="6485472" cy="369332"/>
+            <a:chOff x="1628272" y="4095130"/>
+            <a:chExt cx="6485472" cy="369332"/>
+          </a:xfrm>
+        </p:grpSpPr>
         <p:sp>
           <p:nvSpPr>
-            <p:cNvPr id="71" name="文本框 70">
+            <p:cNvPr id="99" name="文本框 98">
               <a:extLst>
                 <a:ext uri="{FF2B5EF4-FFF2-40B4-BE49-F238E27FC236}">
-                  <a16:creationId xmlns:a16="http://schemas.microsoft.com/office/drawing/2014/main" id="{D56178FA-4BE2-44D2-B3F1-82F74213983D}"/>
+                  <a16:creationId xmlns:a16="http://schemas.microsoft.com/office/drawing/2014/main" id="{96F012E8-81AD-4F97-A7C0-87D09D9D5CDD}"/>
                 </a:ext>
               </a:extLst>
             </p:cNvPr>
@@ -4672,7 +4714,7 @@
           </p:nvSpPr>
           <p:spPr>
             <a:xfrm>
-              <a:off x="2796852" y="2182542"/>
+              <a:off x="2016190" y="4095130"/>
               <a:ext cx="6097554" cy="369332"/>
             </a:xfrm>
             <a:prstGeom prst="rect">
@@ -4690,9 +4732,59 @@
                 <a:rPr lang="zh-CN" altLang="en-US" sz="1800" b="1">
                   <a:latin typeface="Consolas" panose="020B0609020204030204" pitchFamily="49" charset="0"/>
                   <a:ea typeface="微软雅黑" panose="020B0503020204020204" pitchFamily="34" charset="-122"/>
+                  <a:hlinkClick r:id="rId5" action="ppaction://hlinksldjump"/>
                 </a:rPr>
-                <a:t>售后点评</a:t>
+                <a:t>法师申请加入寺院</a:t>
               </a:r>
+              <a:endParaRPr lang="zh-CN" altLang="en-US" sz="1800" b="1">
+                <a:latin typeface="Consolas" panose="020B0609020204030204" pitchFamily="49" charset="0"/>
+                <a:ea typeface="微软雅黑" panose="020B0503020204020204" pitchFamily="34" charset="-122"/>
+              </a:endParaRPr>
+            </a:p>
+          </p:txBody>
+        </p:sp>
+        <p:sp>
+          <p:nvSpPr>
+            <p:cNvPr id="100" name="菱形 99">
+              <a:extLst>
+                <a:ext uri="{FF2B5EF4-FFF2-40B4-BE49-F238E27FC236}">
+                  <a16:creationId xmlns:a16="http://schemas.microsoft.com/office/drawing/2014/main" id="{B5A9643E-23CA-4A83-A438-BFD0A9FC20FF}"/>
+                </a:ext>
+              </a:extLst>
+            </p:cNvPr>
+            <p:cNvSpPr/>
+            <p:nvPr/>
+          </p:nvSpPr>
+          <p:spPr>
+            <a:xfrm>
+              <a:off x="1628272" y="4171796"/>
+              <a:ext cx="216000" cy="216000"/>
+            </a:xfrm>
+            <a:prstGeom prst="diamond">
+              <a:avLst/>
+            </a:prstGeom>
+          </p:spPr>
+          <p:style>
+            <a:lnRef idx="2">
+              <a:schemeClr val="accent1">
+                <a:shade val="50000"/>
+              </a:schemeClr>
+            </a:lnRef>
+            <a:fillRef idx="1">
+              <a:schemeClr val="accent1"/>
+            </a:fillRef>
+            <a:effectRef idx="0">
+              <a:schemeClr val="accent1"/>
+            </a:effectRef>
+            <a:fontRef idx="minor">
+              <a:schemeClr val="lt1"/>
+            </a:fontRef>
+          </p:style>
+          <p:txBody>
+            <a:bodyPr rtlCol="0" anchor="ctr"/>
+            <a:lstStyle/>
+            <a:p>
+              <a:pPr algn="ctr"/>
               <a:endParaRPr lang="zh-CN" altLang="en-US"/>
             </a:p>
           </p:txBody>
@@ -4712,6 +4804,865 @@
 </file>
 
 <file path=ppt/slides/slide10.xml><?xml version="1.0" encoding="utf-8"?>
+<p:sld xmlns:a="http://schemas.openxmlformats.org/drawingml/2006/main" xmlns:r="http://schemas.openxmlformats.org/officeDocument/2006/relationships" xmlns:p="http://schemas.openxmlformats.org/presentationml/2006/main">
+  <p:cSld>
+    <p:spTree>
+      <p:nvGrpSpPr>
+        <p:cNvPr id="1" name=""/>
+        <p:cNvGrpSpPr/>
+        <p:nvPr/>
+      </p:nvGrpSpPr>
+      <p:grpSpPr>
+        <a:xfrm>
+          <a:off x="0" y="0"/>
+          <a:ext cx="0" cy="0"/>
+          <a:chOff x="0" y="0"/>
+          <a:chExt cx="0" cy="0"/>
+        </a:xfrm>
+      </p:grpSpPr>
+      <p:cxnSp>
+        <p:nvCxnSpPr>
+          <p:cNvPr id="239" name="直接连接符 238">
+            <a:extLst>
+              <a:ext uri="{FF2B5EF4-FFF2-40B4-BE49-F238E27FC236}">
+                <a16:creationId xmlns:a16="http://schemas.microsoft.com/office/drawing/2014/main" id="{05CC9636-A076-48A7-9A94-4E0212BA0C59}"/>
+              </a:ext>
+            </a:extLst>
+          </p:cNvPr>
+          <p:cNvCxnSpPr>
+            <a:cxnSpLocks/>
+          </p:cNvCxnSpPr>
+          <p:nvPr/>
+        </p:nvCxnSpPr>
+        <p:spPr>
+          <a:xfrm flipH="1">
+            <a:off x="433388" y="866051"/>
+            <a:ext cx="11325225" cy="1"/>
+          </a:xfrm>
+          <a:prstGeom prst="line">
+            <a:avLst/>
+          </a:prstGeom>
+          <a:ln w="19050">
+            <a:solidFill>
+              <a:srgbClr val="00576E"/>
+            </a:solidFill>
+          </a:ln>
+          <a:effectLst>
+            <a:outerShdw blurRad="50800" dist="12700" dir="5400000" algn="t" rotWithShape="0">
+              <a:prstClr val="black">
+                <a:alpha val="40000"/>
+              </a:prstClr>
+            </a:outerShdw>
+          </a:effectLst>
+        </p:spPr>
+        <p:style>
+          <a:lnRef idx="2">
+            <a:schemeClr val="accent1"/>
+          </a:lnRef>
+          <a:fillRef idx="0">
+            <a:schemeClr val="accent1"/>
+          </a:fillRef>
+          <a:effectRef idx="1">
+            <a:schemeClr val="accent1"/>
+          </a:effectRef>
+          <a:fontRef idx="minor">
+            <a:schemeClr val="tx1"/>
+          </a:fontRef>
+        </p:style>
+      </p:cxnSp>
+      <p:sp>
+        <p:nvSpPr>
+          <p:cNvPr id="240" name="矩形 239">
+            <a:extLst>
+              <a:ext uri="{FF2B5EF4-FFF2-40B4-BE49-F238E27FC236}">
+                <a16:creationId xmlns:a16="http://schemas.microsoft.com/office/drawing/2014/main" id="{CE6D800A-2E58-40A9-AF4D-2C92406102BA}"/>
+              </a:ext>
+            </a:extLst>
+          </p:cNvPr>
+          <p:cNvSpPr/>
+          <p:nvPr/>
+        </p:nvSpPr>
+        <p:spPr>
+          <a:xfrm>
+            <a:off x="471489" y="209549"/>
+            <a:ext cx="119062" cy="513626"/>
+          </a:xfrm>
+          <a:prstGeom prst="rect">
+            <a:avLst/>
+          </a:prstGeom>
+          <a:solidFill>
+            <a:srgbClr val="00576E"/>
+          </a:solidFill>
+        </p:spPr>
+        <p:style>
+          <a:lnRef idx="2">
+            <a:schemeClr val="accent1">
+              <a:shade val="50000"/>
+            </a:schemeClr>
+          </a:lnRef>
+          <a:fillRef idx="1">
+            <a:schemeClr val="accent1"/>
+          </a:fillRef>
+          <a:effectRef idx="0">
+            <a:schemeClr val="accent1"/>
+          </a:effectRef>
+          <a:fontRef idx="minor">
+            <a:schemeClr val="lt1"/>
+          </a:fontRef>
+        </p:style>
+        <p:txBody>
+          <a:bodyPr rtlCol="0" anchor="ctr"/>
+          <a:lstStyle/>
+          <a:p>
+            <a:pPr algn="ctr"/>
+            <a:endParaRPr lang="zh-CN" altLang="en-US">
+              <a:latin typeface="Consolas" panose="020B0609020204030204" pitchFamily="49" charset="0"/>
+            </a:endParaRPr>
+          </a:p>
+        </p:txBody>
+      </p:sp>
+      <p:sp>
+        <p:nvSpPr>
+          <p:cNvPr id="241" name="文本框 240">
+            <a:extLst>
+              <a:ext uri="{FF2B5EF4-FFF2-40B4-BE49-F238E27FC236}">
+                <a16:creationId xmlns:a16="http://schemas.microsoft.com/office/drawing/2014/main" id="{90ABBAE7-6707-4A6F-819E-32C1CFD4250B}"/>
+              </a:ext>
+            </a:extLst>
+          </p:cNvPr>
+          <p:cNvSpPr txBox="1"/>
+          <p:nvPr/>
+        </p:nvSpPr>
+        <p:spPr>
+          <a:xfrm>
+            <a:off x="712379" y="173975"/>
+            <a:ext cx="1826141" cy="584775"/>
+          </a:xfrm>
+          <a:prstGeom prst="rect">
+            <a:avLst/>
+          </a:prstGeom>
+          <a:noFill/>
+        </p:spPr>
+        <p:txBody>
+          <a:bodyPr wrap="none" rtlCol="0">
+            <a:spAutoFit/>
+          </a:bodyPr>
+          <a:lstStyle/>
+          <a:p>
+            <a:r>
+              <a:rPr lang="zh-CN" altLang="en-US" sz="3200" b="1">
+                <a:latin typeface="Consolas" panose="020B0609020204030204" pitchFamily="49" charset="0"/>
+                <a:ea typeface="微软雅黑" panose="020B0503020204020204" pitchFamily="34" charset="-122"/>
+              </a:rPr>
+              <a:t>点评标签</a:t>
+            </a:r>
+          </a:p>
+        </p:txBody>
+      </p:sp>
+      <p:grpSp>
+        <p:nvGrpSpPr>
+          <p:cNvPr id="26" name="组合 25">
+            <a:extLst>
+              <a:ext uri="{FF2B5EF4-FFF2-40B4-BE49-F238E27FC236}">
+                <a16:creationId xmlns:a16="http://schemas.microsoft.com/office/drawing/2014/main" id="{45CBD914-022C-408E-A446-12895B3A7D84}"/>
+              </a:ext>
+            </a:extLst>
+          </p:cNvPr>
+          <p:cNvGrpSpPr/>
+          <p:nvPr/>
+        </p:nvGrpSpPr>
+        <p:grpSpPr>
+          <a:xfrm>
+            <a:off x="4472570" y="2268096"/>
+            <a:ext cx="2340000" cy="1620000"/>
+            <a:chOff x="4369933" y="5034995"/>
+            <a:chExt cx="2340000" cy="1620000"/>
+          </a:xfrm>
+        </p:grpSpPr>
+        <p:sp>
+          <p:nvSpPr>
+            <p:cNvPr id="42" name="矩形: 圆角 41">
+              <a:extLst>
+                <a:ext uri="{FF2B5EF4-FFF2-40B4-BE49-F238E27FC236}">
+                  <a16:creationId xmlns:a16="http://schemas.microsoft.com/office/drawing/2014/main" id="{3B2DD3A4-7EED-4534-B760-85AC344D20E1}"/>
+                </a:ext>
+              </a:extLst>
+            </p:cNvPr>
+            <p:cNvSpPr/>
+            <p:nvPr/>
+          </p:nvSpPr>
+          <p:spPr>
+            <a:xfrm>
+              <a:off x="4369933" y="5034995"/>
+              <a:ext cx="2340000" cy="1620000"/>
+            </a:xfrm>
+            <a:prstGeom prst="roundRect">
+              <a:avLst>
+                <a:gd name="adj" fmla="val 5494"/>
+              </a:avLst>
+            </a:prstGeom>
+            <a:noFill/>
+            <a:ln>
+              <a:solidFill>
+                <a:schemeClr val="tx2"/>
+              </a:solidFill>
+              <a:prstDash val="dash"/>
+            </a:ln>
+          </p:spPr>
+          <p:style>
+            <a:lnRef idx="2">
+              <a:schemeClr val="accent1">
+                <a:shade val="50000"/>
+              </a:schemeClr>
+            </a:lnRef>
+            <a:fillRef idx="1">
+              <a:schemeClr val="accent1"/>
+            </a:fillRef>
+            <a:effectRef idx="0">
+              <a:schemeClr val="accent1"/>
+            </a:effectRef>
+            <a:fontRef idx="minor">
+              <a:schemeClr val="lt1"/>
+            </a:fontRef>
+          </p:style>
+          <p:txBody>
+            <a:bodyPr rtlCol="0" anchor="ctr"/>
+            <a:lstStyle/>
+            <a:p>
+              <a:pPr algn="ctr"/>
+              <a:endParaRPr lang="zh-CN" altLang="en-US" sz="1600">
+                <a:latin typeface="微软雅黑" panose="020B0503020204020204" pitchFamily="34" charset="-122"/>
+                <a:ea typeface="微软雅黑" panose="020B0503020204020204" pitchFamily="34" charset="-122"/>
+              </a:endParaRPr>
+            </a:p>
+          </p:txBody>
+        </p:sp>
+        <p:sp>
+          <p:nvSpPr>
+            <p:cNvPr id="44" name="矩形: 圆角 43">
+              <a:extLst>
+                <a:ext uri="{FF2B5EF4-FFF2-40B4-BE49-F238E27FC236}">
+                  <a16:creationId xmlns:a16="http://schemas.microsoft.com/office/drawing/2014/main" id="{FCCE9879-35A7-4F63-8D9A-6351A9143EAD}"/>
+                </a:ext>
+              </a:extLst>
+            </p:cNvPr>
+            <p:cNvSpPr/>
+            <p:nvPr/>
+          </p:nvSpPr>
+          <p:spPr>
+            <a:xfrm>
+              <a:off x="4981933" y="5174917"/>
+              <a:ext cx="1116000" cy="540000"/>
+            </a:xfrm>
+            <a:prstGeom prst="roundRect">
+              <a:avLst/>
+            </a:prstGeom>
+            <a:solidFill>
+              <a:srgbClr val="00B0F0"/>
+            </a:solidFill>
+            <a:ln>
+              <a:solidFill>
+                <a:schemeClr val="tx1"/>
+              </a:solidFill>
+            </a:ln>
+          </p:spPr>
+          <p:style>
+            <a:lnRef idx="2">
+              <a:schemeClr val="accent1">
+                <a:shade val="50000"/>
+              </a:schemeClr>
+            </a:lnRef>
+            <a:fillRef idx="1">
+              <a:schemeClr val="accent1"/>
+            </a:fillRef>
+            <a:effectRef idx="0">
+              <a:schemeClr val="accent1"/>
+            </a:effectRef>
+            <a:fontRef idx="minor">
+              <a:schemeClr val="lt1"/>
+            </a:fontRef>
+          </p:style>
+          <p:txBody>
+            <a:bodyPr wrap="none" lIns="36000" tIns="36000" rIns="36000" bIns="36000" rtlCol="0" anchor="ctr" anchorCtr="0"/>
+            <a:lstStyle/>
+            <a:p>
+              <a:pPr algn="ctr"/>
+              <a:r>
+                <a:rPr lang="zh-CN" altLang="en-US" sz="1600" b="1">
+                  <a:solidFill>
+                    <a:schemeClr val="tx1"/>
+                  </a:solidFill>
+                  <a:latin typeface="微软雅黑" panose="020B0503020204020204" pitchFamily="34" charset="-122"/>
+                  <a:ea typeface="微软雅黑" panose="020B0503020204020204" pitchFamily="34" charset="-122"/>
+                </a:rPr>
+                <a:t>基金会成员</a:t>
+              </a:r>
+            </a:p>
+          </p:txBody>
+        </p:sp>
+        <p:sp>
+          <p:nvSpPr>
+            <p:cNvPr id="45" name="矩形: 圆角 44">
+              <a:extLst>
+                <a:ext uri="{FF2B5EF4-FFF2-40B4-BE49-F238E27FC236}">
+                  <a16:creationId xmlns:a16="http://schemas.microsoft.com/office/drawing/2014/main" id="{D8880FBF-FF61-4673-B2F9-85E42C73187E}"/>
+                </a:ext>
+              </a:extLst>
+            </p:cNvPr>
+            <p:cNvSpPr/>
+            <p:nvPr/>
+          </p:nvSpPr>
+          <p:spPr>
+            <a:xfrm>
+              <a:off x="4495933" y="5867073"/>
+              <a:ext cx="2088000" cy="648000"/>
+            </a:xfrm>
+            <a:prstGeom prst="roundRect">
+              <a:avLst/>
+            </a:prstGeom>
+            <a:solidFill>
+              <a:srgbClr val="00B050"/>
+            </a:solidFill>
+            <a:ln>
+              <a:solidFill>
+                <a:schemeClr val="tx1"/>
+              </a:solidFill>
+            </a:ln>
+          </p:spPr>
+          <p:style>
+            <a:lnRef idx="2">
+              <a:schemeClr val="accent1">
+                <a:shade val="50000"/>
+              </a:schemeClr>
+            </a:lnRef>
+            <a:fillRef idx="1">
+              <a:schemeClr val="accent1"/>
+            </a:fillRef>
+            <a:effectRef idx="0">
+              <a:schemeClr val="accent1"/>
+            </a:effectRef>
+            <a:fontRef idx="minor">
+              <a:schemeClr val="lt1"/>
+            </a:fontRef>
+          </p:style>
+          <p:txBody>
+            <a:bodyPr wrap="none" lIns="36000" tIns="36000" rIns="36000" bIns="36000" rtlCol="0" anchor="ctr" anchorCtr="0"/>
+            <a:lstStyle/>
+            <a:p>
+              <a:pPr algn="ctr"/>
+              <a:r>
+                <a:rPr lang="zh-CN" altLang="en-US" sz="1600" b="1">
+                  <a:solidFill>
+                    <a:schemeClr val="tx1"/>
+                  </a:solidFill>
+                  <a:latin typeface="微软雅黑" panose="020B0503020204020204" pitchFamily="34" charset="-122"/>
+                  <a:ea typeface="微软雅黑" panose="020B0503020204020204" pitchFamily="34" charset="-122"/>
+                </a:rPr>
+                <a:t>查看标签</a:t>
+              </a:r>
+              <a:endParaRPr lang="en-US" altLang="zh-CN" sz="1600" b="1">
+                <a:solidFill>
+                  <a:schemeClr val="tx1"/>
+                </a:solidFill>
+                <a:latin typeface="微软雅黑" panose="020B0503020204020204" pitchFamily="34" charset="-122"/>
+                <a:ea typeface="微软雅黑" panose="020B0503020204020204" pitchFamily="34" charset="-122"/>
+              </a:endParaRPr>
+            </a:p>
+            <a:p>
+              <a:pPr algn="ctr"/>
+              <a:r>
+                <a:rPr lang="en-US" altLang="zh-CN" sz="1600" b="1">
+                  <a:solidFill>
+                    <a:schemeClr val="tx1"/>
+                  </a:solidFill>
+                  <a:latin typeface="微软雅黑" panose="020B0503020204020204" pitchFamily="34" charset="-122"/>
+                  <a:ea typeface="微软雅黑" panose="020B0503020204020204" pitchFamily="34" charset="-122"/>
+                </a:rPr>
+                <a:t>list_commentlabel</a:t>
+              </a:r>
+              <a:endParaRPr lang="zh-CN" altLang="en-US" sz="1600" b="1">
+                <a:solidFill>
+                  <a:schemeClr val="tx1"/>
+                </a:solidFill>
+                <a:latin typeface="微软雅黑" panose="020B0503020204020204" pitchFamily="34" charset="-122"/>
+                <a:ea typeface="微软雅黑" panose="020B0503020204020204" pitchFamily="34" charset="-122"/>
+              </a:endParaRPr>
+            </a:p>
+          </p:txBody>
+        </p:sp>
+      </p:grpSp>
+      <p:cxnSp>
+        <p:nvCxnSpPr>
+          <p:cNvPr id="49" name="直接箭头连接符 48">
+            <a:extLst>
+              <a:ext uri="{FF2B5EF4-FFF2-40B4-BE49-F238E27FC236}">
+                <a16:creationId xmlns:a16="http://schemas.microsoft.com/office/drawing/2014/main" id="{6BBE946B-60BF-4F4B-81A4-3241182FB629}"/>
+              </a:ext>
+            </a:extLst>
+          </p:cNvPr>
+          <p:cNvCxnSpPr>
+            <a:cxnSpLocks/>
+            <a:stCxn id="22" idx="3"/>
+            <a:endCxn id="42" idx="1"/>
+          </p:cNvCxnSpPr>
+          <p:nvPr/>
+        </p:nvCxnSpPr>
+        <p:spPr>
+          <a:xfrm>
+            <a:off x="3140538" y="3061628"/>
+            <a:ext cx="1332032" cy="16468"/>
+          </a:xfrm>
+          <a:prstGeom prst="straightConnector1">
+            <a:avLst/>
+          </a:prstGeom>
+          <a:ln w="57150">
+            <a:solidFill>
+              <a:srgbClr val="FFC000"/>
+            </a:solidFill>
+            <a:tailEnd type="triangle"/>
+          </a:ln>
+        </p:spPr>
+        <p:style>
+          <a:lnRef idx="1">
+            <a:schemeClr val="accent1"/>
+          </a:lnRef>
+          <a:fillRef idx="0">
+            <a:schemeClr val="accent1"/>
+          </a:fillRef>
+          <a:effectRef idx="0">
+            <a:schemeClr val="accent1"/>
+          </a:effectRef>
+          <a:fontRef idx="minor">
+            <a:schemeClr val="tx1"/>
+          </a:fontRef>
+        </p:style>
+      </p:cxnSp>
+      <p:grpSp>
+        <p:nvGrpSpPr>
+          <p:cNvPr id="27" name="组合 26">
+            <a:extLst>
+              <a:ext uri="{FF2B5EF4-FFF2-40B4-BE49-F238E27FC236}">
+                <a16:creationId xmlns:a16="http://schemas.microsoft.com/office/drawing/2014/main" id="{24108210-E60E-405F-8159-218011BDA901}"/>
+              </a:ext>
+            </a:extLst>
+          </p:cNvPr>
+          <p:cNvGrpSpPr/>
+          <p:nvPr/>
+        </p:nvGrpSpPr>
+        <p:grpSpPr>
+          <a:xfrm>
+            <a:off x="433388" y="1440000"/>
+            <a:ext cx="2707150" cy="3243256"/>
+            <a:chOff x="433388" y="2342704"/>
+            <a:chExt cx="2707150" cy="3243256"/>
+          </a:xfrm>
+        </p:grpSpPr>
+        <p:sp>
+          <p:nvSpPr>
+            <p:cNvPr id="22" name="矩形: 圆角 21">
+              <a:extLst>
+                <a:ext uri="{FF2B5EF4-FFF2-40B4-BE49-F238E27FC236}">
+                  <a16:creationId xmlns:a16="http://schemas.microsoft.com/office/drawing/2014/main" id="{44E9DDD3-78CB-4BBC-8CD8-3F3E184C49A0}"/>
+                </a:ext>
+              </a:extLst>
+            </p:cNvPr>
+            <p:cNvSpPr/>
+            <p:nvPr/>
+          </p:nvSpPr>
+          <p:spPr>
+            <a:xfrm>
+              <a:off x="433388" y="2342704"/>
+              <a:ext cx="2707150" cy="3243256"/>
+            </a:xfrm>
+            <a:prstGeom prst="roundRect">
+              <a:avLst>
+                <a:gd name="adj" fmla="val 5494"/>
+              </a:avLst>
+            </a:prstGeom>
+            <a:noFill/>
+            <a:ln>
+              <a:solidFill>
+                <a:schemeClr val="tx2"/>
+              </a:solidFill>
+              <a:prstDash val="dash"/>
+            </a:ln>
+          </p:spPr>
+          <p:style>
+            <a:lnRef idx="2">
+              <a:schemeClr val="accent1">
+                <a:shade val="50000"/>
+              </a:schemeClr>
+            </a:lnRef>
+            <a:fillRef idx="1">
+              <a:schemeClr val="accent1"/>
+            </a:fillRef>
+            <a:effectRef idx="0">
+              <a:schemeClr val="accent1"/>
+            </a:effectRef>
+            <a:fontRef idx="minor">
+              <a:schemeClr val="lt1"/>
+            </a:fontRef>
+          </p:style>
+          <p:txBody>
+            <a:bodyPr rtlCol="0" anchor="ctr"/>
+            <a:lstStyle/>
+            <a:p>
+              <a:pPr algn="ctr"/>
+              <a:endParaRPr lang="zh-CN" altLang="en-US" sz="1600">
+                <a:latin typeface="微软雅黑" panose="020B0503020204020204" pitchFamily="34" charset="-122"/>
+                <a:ea typeface="微软雅黑" panose="020B0503020204020204" pitchFamily="34" charset="-122"/>
+              </a:endParaRPr>
+            </a:p>
+          </p:txBody>
+        </p:sp>
+        <p:grpSp>
+          <p:nvGrpSpPr>
+            <p:cNvPr id="5" name="组合 4">
+              <a:extLst>
+                <a:ext uri="{FF2B5EF4-FFF2-40B4-BE49-F238E27FC236}">
+                  <a16:creationId xmlns:a16="http://schemas.microsoft.com/office/drawing/2014/main" id="{D2F8A941-C4B9-4E4B-83AB-3A15F4C54F86}"/>
+                </a:ext>
+              </a:extLst>
+            </p:cNvPr>
+            <p:cNvGrpSpPr/>
+            <p:nvPr/>
+          </p:nvGrpSpPr>
+          <p:grpSpPr>
+            <a:xfrm>
+              <a:off x="562963" y="3191865"/>
+              <a:ext cx="2448000" cy="2225870"/>
+              <a:chOff x="574306" y="2289161"/>
+              <a:chExt cx="2448000" cy="2225870"/>
+            </a:xfrm>
+          </p:grpSpPr>
+          <p:sp>
+            <p:nvSpPr>
+              <p:cNvPr id="53" name="矩形: 圆角 52">
+                <a:extLst>
+                  <a:ext uri="{FF2B5EF4-FFF2-40B4-BE49-F238E27FC236}">
+                    <a16:creationId xmlns:a16="http://schemas.microsoft.com/office/drawing/2014/main" id="{40CB1BC0-9F2F-42B0-8691-F1896B1D2EE4}"/>
+                  </a:ext>
+                </a:extLst>
+              </p:cNvPr>
+              <p:cNvSpPr/>
+              <p:nvPr/>
+            </p:nvSpPr>
+            <p:spPr>
+              <a:xfrm>
+                <a:off x="574306" y="2289161"/>
+                <a:ext cx="2448000" cy="648000"/>
+              </a:xfrm>
+              <a:prstGeom prst="roundRect">
+                <a:avLst/>
+              </a:prstGeom>
+              <a:solidFill>
+                <a:srgbClr val="00B050"/>
+              </a:solidFill>
+              <a:ln>
+                <a:solidFill>
+                  <a:schemeClr val="tx1"/>
+                </a:solidFill>
+              </a:ln>
+            </p:spPr>
+            <p:style>
+              <a:lnRef idx="2">
+                <a:schemeClr val="accent1">
+                  <a:shade val="50000"/>
+                </a:schemeClr>
+              </a:lnRef>
+              <a:fillRef idx="1">
+                <a:schemeClr val="accent1"/>
+              </a:fillRef>
+              <a:effectRef idx="0">
+                <a:schemeClr val="accent1"/>
+              </a:effectRef>
+              <a:fontRef idx="minor">
+                <a:schemeClr val="lt1"/>
+              </a:fontRef>
+            </p:style>
+            <p:txBody>
+              <a:bodyPr wrap="none" lIns="36000" tIns="36000" rIns="36000" bIns="36000" rtlCol="0" anchor="ctr" anchorCtr="0"/>
+              <a:lstStyle/>
+              <a:p>
+                <a:pPr algn="ctr"/>
+                <a:r>
+                  <a:rPr lang="zh-CN" altLang="en-US" sz="1600" b="1">
+                    <a:solidFill>
+                      <a:schemeClr val="tx1"/>
+                    </a:solidFill>
+                    <a:latin typeface="微软雅黑" panose="020B0503020204020204" pitchFamily="34" charset="-122"/>
+                    <a:ea typeface="微软雅黑" panose="020B0503020204020204" pitchFamily="34" charset="-122"/>
+                  </a:rPr>
+                  <a:t>添加点评</a:t>
+                </a:r>
+                <a:endParaRPr lang="en-US" altLang="zh-CN" sz="1600" b="1">
+                  <a:solidFill>
+                    <a:schemeClr val="tx1"/>
+                  </a:solidFill>
+                  <a:latin typeface="微软雅黑" panose="020B0503020204020204" pitchFamily="34" charset="-122"/>
+                  <a:ea typeface="微软雅黑" panose="020B0503020204020204" pitchFamily="34" charset="-122"/>
+                </a:endParaRPr>
+              </a:p>
+              <a:p>
+                <a:pPr algn="ctr"/>
+                <a:r>
+                  <a:rPr lang="en-US" altLang="zh-CN" sz="1600" b="1">
+                    <a:solidFill>
+                      <a:schemeClr val="tx1"/>
+                    </a:solidFill>
+                    <a:latin typeface="微软雅黑" panose="020B0503020204020204" pitchFamily="34" charset="-122"/>
+                    <a:ea typeface="微软雅黑" panose="020B0503020204020204" pitchFamily="34" charset="-122"/>
+                  </a:rPr>
+                  <a:t>add_commentlabel</a:t>
+                </a:r>
+              </a:p>
+            </p:txBody>
+          </p:sp>
+          <p:sp>
+            <p:nvSpPr>
+              <p:cNvPr id="38" name="矩形: 圆角 37">
+                <a:extLst>
+                  <a:ext uri="{FF2B5EF4-FFF2-40B4-BE49-F238E27FC236}">
+                    <a16:creationId xmlns:a16="http://schemas.microsoft.com/office/drawing/2014/main" id="{6EF65E41-CF90-4FA2-BE2F-E579C0769331}"/>
+                  </a:ext>
+                </a:extLst>
+              </p:cNvPr>
+              <p:cNvSpPr/>
+              <p:nvPr/>
+            </p:nvSpPr>
+            <p:spPr>
+              <a:xfrm>
+                <a:off x="574306" y="3078096"/>
+                <a:ext cx="2448000" cy="648000"/>
+              </a:xfrm>
+              <a:prstGeom prst="roundRect">
+                <a:avLst/>
+              </a:prstGeom>
+              <a:solidFill>
+                <a:srgbClr val="00B050"/>
+              </a:solidFill>
+              <a:ln>
+                <a:solidFill>
+                  <a:schemeClr val="tx1"/>
+                </a:solidFill>
+              </a:ln>
+            </p:spPr>
+            <p:style>
+              <a:lnRef idx="2">
+                <a:schemeClr val="accent1">
+                  <a:shade val="50000"/>
+                </a:schemeClr>
+              </a:lnRef>
+              <a:fillRef idx="1">
+                <a:schemeClr val="accent1"/>
+              </a:fillRef>
+              <a:effectRef idx="0">
+                <a:schemeClr val="accent1"/>
+              </a:effectRef>
+              <a:fontRef idx="minor">
+                <a:schemeClr val="lt1"/>
+              </a:fontRef>
+            </p:style>
+            <p:txBody>
+              <a:bodyPr wrap="none" lIns="36000" tIns="36000" rIns="36000" bIns="36000" rtlCol="0" anchor="ctr" anchorCtr="0"/>
+              <a:lstStyle/>
+              <a:p>
+                <a:pPr algn="ctr"/>
+                <a:r>
+                  <a:rPr lang="zh-CN" altLang="en-US" sz="1600" b="1">
+                    <a:solidFill>
+                      <a:schemeClr val="tx1"/>
+                    </a:solidFill>
+                    <a:latin typeface="微软雅黑" panose="020B0503020204020204" pitchFamily="34" charset="-122"/>
+                    <a:ea typeface="微软雅黑" panose="020B0503020204020204" pitchFamily="34" charset="-122"/>
+                  </a:rPr>
+                  <a:t>删除点评</a:t>
+                </a:r>
+                <a:endParaRPr lang="en-US" altLang="zh-CN" sz="1600" b="1">
+                  <a:solidFill>
+                    <a:schemeClr val="tx1"/>
+                  </a:solidFill>
+                  <a:latin typeface="微软雅黑" panose="020B0503020204020204" pitchFamily="34" charset="-122"/>
+                  <a:ea typeface="微软雅黑" panose="020B0503020204020204" pitchFamily="34" charset="-122"/>
+                </a:endParaRPr>
+              </a:p>
+              <a:p>
+                <a:pPr algn="ctr"/>
+                <a:r>
+                  <a:rPr lang="en-US" altLang="zh-CN" sz="1600" b="1">
+                    <a:solidFill>
+                      <a:schemeClr val="tx1"/>
+                    </a:solidFill>
+                    <a:latin typeface="微软雅黑" panose="020B0503020204020204" pitchFamily="34" charset="-122"/>
+                    <a:ea typeface="微软雅黑" panose="020B0503020204020204" pitchFamily="34" charset="-122"/>
+                  </a:rPr>
+                  <a:t>delete_commentlabel</a:t>
+                </a:r>
+              </a:p>
+            </p:txBody>
+          </p:sp>
+          <p:sp>
+            <p:nvSpPr>
+              <p:cNvPr id="39" name="矩形: 圆角 38">
+                <a:extLst>
+                  <a:ext uri="{FF2B5EF4-FFF2-40B4-BE49-F238E27FC236}">
+                    <a16:creationId xmlns:a16="http://schemas.microsoft.com/office/drawing/2014/main" id="{94C63C5F-9EC3-4BE9-B298-A1E0C73F3497}"/>
+                  </a:ext>
+                </a:extLst>
+              </p:cNvPr>
+              <p:cNvSpPr/>
+              <p:nvPr/>
+            </p:nvSpPr>
+            <p:spPr>
+              <a:xfrm>
+                <a:off x="574306" y="3867031"/>
+                <a:ext cx="2448000" cy="648000"/>
+              </a:xfrm>
+              <a:prstGeom prst="roundRect">
+                <a:avLst/>
+              </a:prstGeom>
+              <a:solidFill>
+                <a:srgbClr val="00B050"/>
+              </a:solidFill>
+              <a:ln>
+                <a:solidFill>
+                  <a:schemeClr val="tx1"/>
+                </a:solidFill>
+              </a:ln>
+            </p:spPr>
+            <p:style>
+              <a:lnRef idx="2">
+                <a:schemeClr val="accent1">
+                  <a:shade val="50000"/>
+                </a:schemeClr>
+              </a:lnRef>
+              <a:fillRef idx="1">
+                <a:schemeClr val="accent1"/>
+              </a:fillRef>
+              <a:effectRef idx="0">
+                <a:schemeClr val="accent1"/>
+              </a:effectRef>
+              <a:fontRef idx="minor">
+                <a:schemeClr val="lt1"/>
+              </a:fontRef>
+            </p:style>
+            <p:txBody>
+              <a:bodyPr wrap="none" lIns="36000" tIns="36000" rIns="36000" bIns="36000" rtlCol="0" anchor="ctr" anchorCtr="0"/>
+              <a:lstStyle/>
+              <a:p>
+                <a:pPr algn="ctr"/>
+                <a:r>
+                  <a:rPr lang="zh-CN" altLang="en-US" sz="1600" b="1">
+                    <a:solidFill>
+                      <a:schemeClr val="tx1"/>
+                    </a:solidFill>
+                    <a:latin typeface="微软雅黑" panose="020B0503020204020204" pitchFamily="34" charset="-122"/>
+                    <a:ea typeface="微软雅黑" panose="020B0503020204020204" pitchFamily="34" charset="-122"/>
+                  </a:rPr>
+                  <a:t>修改点评</a:t>
+                </a:r>
+                <a:endParaRPr lang="en-US" altLang="zh-CN" sz="1600" b="1">
+                  <a:solidFill>
+                    <a:schemeClr val="tx1"/>
+                  </a:solidFill>
+                  <a:latin typeface="微软雅黑" panose="020B0503020204020204" pitchFamily="34" charset="-122"/>
+                  <a:ea typeface="微软雅黑" panose="020B0503020204020204" pitchFamily="34" charset="-122"/>
+                </a:endParaRPr>
+              </a:p>
+              <a:p>
+                <a:pPr algn="ctr"/>
+                <a:r>
+                  <a:rPr lang="en-US" altLang="zh-CN" sz="1600" b="1">
+                    <a:solidFill>
+                      <a:schemeClr val="tx1"/>
+                    </a:solidFill>
+                    <a:latin typeface="微软雅黑" panose="020B0503020204020204" pitchFamily="34" charset="-122"/>
+                    <a:ea typeface="微软雅黑" panose="020B0503020204020204" pitchFamily="34" charset="-122"/>
+                  </a:rPr>
+                  <a:t>update_commentlabel</a:t>
+                </a:r>
+              </a:p>
+            </p:txBody>
+          </p:sp>
+        </p:grpSp>
+        <p:sp>
+          <p:nvSpPr>
+            <p:cNvPr id="55" name="矩形: 圆角 54">
+              <a:extLst>
+                <a:ext uri="{FF2B5EF4-FFF2-40B4-BE49-F238E27FC236}">
+                  <a16:creationId xmlns:a16="http://schemas.microsoft.com/office/drawing/2014/main" id="{5D90792A-30EC-40F0-AC29-0992B2DCD239}"/>
+                </a:ext>
+              </a:extLst>
+            </p:cNvPr>
+            <p:cNvSpPr/>
+            <p:nvPr/>
+          </p:nvSpPr>
+          <p:spPr>
+            <a:xfrm>
+              <a:off x="1228963" y="2506616"/>
+              <a:ext cx="1116000" cy="540000"/>
+            </a:xfrm>
+            <a:prstGeom prst="roundRect">
+              <a:avLst/>
+            </a:prstGeom>
+            <a:solidFill>
+              <a:srgbClr val="00B0F0"/>
+            </a:solidFill>
+            <a:ln>
+              <a:solidFill>
+                <a:schemeClr val="tx1"/>
+              </a:solidFill>
+            </a:ln>
+          </p:spPr>
+          <p:style>
+            <a:lnRef idx="2">
+              <a:schemeClr val="accent1">
+                <a:shade val="50000"/>
+              </a:schemeClr>
+            </a:lnRef>
+            <a:fillRef idx="1">
+              <a:schemeClr val="accent1"/>
+            </a:fillRef>
+            <a:effectRef idx="0">
+              <a:schemeClr val="accent1"/>
+            </a:effectRef>
+            <a:fontRef idx="minor">
+              <a:schemeClr val="lt1"/>
+            </a:fontRef>
+          </p:style>
+          <p:txBody>
+            <a:bodyPr wrap="none" lIns="36000" tIns="36000" rIns="36000" bIns="36000" rtlCol="0" anchor="ctr" anchorCtr="0"/>
+            <a:lstStyle/>
+            <a:p>
+              <a:pPr algn="ctr"/>
+              <a:r>
+                <a:rPr lang="zh-CN" altLang="en-US" sz="1600" b="1">
+                  <a:solidFill>
+                    <a:schemeClr val="tx1"/>
+                  </a:solidFill>
+                  <a:latin typeface="微软雅黑" panose="020B0503020204020204" pitchFamily="34" charset="-122"/>
+                  <a:ea typeface="微软雅黑" panose="020B0503020204020204" pitchFamily="34" charset="-122"/>
+                </a:rPr>
+                <a:t>基金会成员</a:t>
+              </a:r>
+            </a:p>
+          </p:txBody>
+        </p:sp>
+      </p:grpSp>
+    </p:spTree>
+    <p:extLst>
+      <p:ext uri="{BB962C8B-B14F-4D97-AF65-F5344CB8AC3E}">
+        <p14:creationId xmlns:p14="http://schemas.microsoft.com/office/powerpoint/2010/main" val="4031945814"/>
+      </p:ext>
+    </p:extLst>
+  </p:cSld>
+  <p:clrMapOvr>
+    <a:masterClrMapping/>
+  </p:clrMapOvr>
+</p:sld>
+</file>
+
+<file path=ppt/slides/slide11.xml><?xml version="1.0" encoding="utf-8"?>
 <p:sld xmlns:a="http://schemas.openxmlformats.org/drawingml/2006/main" xmlns:r="http://schemas.openxmlformats.org/officeDocument/2006/relationships" xmlns:p="http://schemas.openxmlformats.org/presentationml/2006/main">
   <p:cSld>
     <p:spTree>
@@ -6126,7 +7077,7 @@
 </p:sld>
 </file>
 
-<file path=ppt/slides/slide11.xml><?xml version="1.0" encoding="utf-8"?>
+<file path=ppt/slides/slide12.xml><?xml version="1.0" encoding="utf-8"?>
 <p:sld xmlns:a="http://schemas.openxmlformats.org/drawingml/2006/main" xmlns:r="http://schemas.openxmlformats.org/officeDocument/2006/relationships" xmlns:p="http://schemas.openxmlformats.org/presentationml/2006/main">
   <p:cSld>
     <p:spTree>
@@ -8405,7 +9356,7 @@
 </p:sld>
 </file>
 
-<file path=ppt/slides/slide12.xml><?xml version="1.0" encoding="utf-8"?>
+<file path=ppt/slides/slide13.xml><?xml version="1.0" encoding="utf-8"?>
 <p:sld xmlns:a="http://schemas.openxmlformats.org/drawingml/2006/main" xmlns:r="http://schemas.openxmlformats.org/officeDocument/2006/relationships" xmlns:p="http://schemas.openxmlformats.org/presentationml/2006/main">
   <p:cSld>
     <p:spTree>
@@ -9821,6 +10772,757 @@
 </file>
 
 <file path=ppt/slides/slide2.xml><?xml version="1.0" encoding="utf-8"?>
+<p:sld xmlns:a="http://schemas.openxmlformats.org/drawingml/2006/main" xmlns:r="http://schemas.openxmlformats.org/officeDocument/2006/relationships" xmlns:p="http://schemas.openxmlformats.org/presentationml/2006/main">
+  <p:cSld>
+    <p:spTree>
+      <p:nvGrpSpPr>
+        <p:cNvPr id="1" name=""/>
+        <p:cNvGrpSpPr/>
+        <p:nvPr/>
+      </p:nvGrpSpPr>
+      <p:grpSpPr>
+        <a:xfrm>
+          <a:off x="0" y="0"/>
+          <a:ext cx="0" cy="0"/>
+          <a:chOff x="0" y="0"/>
+          <a:chExt cx="0" cy="0"/>
+        </a:xfrm>
+      </p:grpSpPr>
+      <p:cxnSp>
+        <p:nvCxnSpPr>
+          <p:cNvPr id="239" name="直接连接符 238">
+            <a:extLst>
+              <a:ext uri="{FF2B5EF4-FFF2-40B4-BE49-F238E27FC236}">
+                <a16:creationId xmlns:a16="http://schemas.microsoft.com/office/drawing/2014/main" id="{05CC9636-A076-48A7-9A94-4E0212BA0C59}"/>
+              </a:ext>
+            </a:extLst>
+          </p:cNvPr>
+          <p:cNvCxnSpPr>
+            <a:cxnSpLocks/>
+          </p:cNvCxnSpPr>
+          <p:nvPr/>
+        </p:nvCxnSpPr>
+        <p:spPr>
+          <a:xfrm flipH="1">
+            <a:off x="433388" y="1006728"/>
+            <a:ext cx="11325225" cy="1"/>
+          </a:xfrm>
+          <a:prstGeom prst="line">
+            <a:avLst/>
+          </a:prstGeom>
+          <a:ln w="19050">
+            <a:solidFill>
+              <a:srgbClr val="00576E"/>
+            </a:solidFill>
+          </a:ln>
+          <a:effectLst>
+            <a:outerShdw blurRad="50800" dist="12700" dir="5400000" algn="t" rotWithShape="0">
+              <a:prstClr val="black">
+                <a:alpha val="40000"/>
+              </a:prstClr>
+            </a:outerShdw>
+          </a:effectLst>
+        </p:spPr>
+        <p:style>
+          <a:lnRef idx="2">
+            <a:schemeClr val="accent1"/>
+          </a:lnRef>
+          <a:fillRef idx="0">
+            <a:schemeClr val="accent1"/>
+          </a:fillRef>
+          <a:effectRef idx="1">
+            <a:schemeClr val="accent1"/>
+          </a:effectRef>
+          <a:fontRef idx="minor">
+            <a:schemeClr val="tx1"/>
+          </a:fontRef>
+        </p:style>
+      </p:cxnSp>
+      <p:sp>
+        <p:nvSpPr>
+          <p:cNvPr id="240" name="矩形 239">
+            <a:extLst>
+              <a:ext uri="{FF2B5EF4-FFF2-40B4-BE49-F238E27FC236}">
+                <a16:creationId xmlns:a16="http://schemas.microsoft.com/office/drawing/2014/main" id="{CE6D800A-2E58-40A9-AF4D-2C92406102BA}"/>
+              </a:ext>
+            </a:extLst>
+          </p:cNvPr>
+          <p:cNvSpPr/>
+          <p:nvPr/>
+        </p:nvSpPr>
+        <p:spPr>
+          <a:xfrm>
+            <a:off x="471489" y="209549"/>
+            <a:ext cx="119062" cy="513626"/>
+          </a:xfrm>
+          <a:prstGeom prst="rect">
+            <a:avLst/>
+          </a:prstGeom>
+          <a:solidFill>
+            <a:srgbClr val="00576E"/>
+          </a:solidFill>
+        </p:spPr>
+        <p:style>
+          <a:lnRef idx="2">
+            <a:schemeClr val="accent1">
+              <a:shade val="50000"/>
+            </a:schemeClr>
+          </a:lnRef>
+          <a:fillRef idx="1">
+            <a:schemeClr val="accent1"/>
+          </a:fillRef>
+          <a:effectRef idx="0">
+            <a:schemeClr val="accent1"/>
+          </a:effectRef>
+          <a:fontRef idx="minor">
+            <a:schemeClr val="lt1"/>
+          </a:fontRef>
+        </p:style>
+        <p:txBody>
+          <a:bodyPr rtlCol="0" anchor="ctr"/>
+          <a:lstStyle/>
+          <a:p>
+            <a:pPr algn="ctr"/>
+            <a:endParaRPr lang="zh-CN" altLang="en-US">
+              <a:latin typeface="Consolas" panose="020B0609020204030204" pitchFamily="49" charset="0"/>
+            </a:endParaRPr>
+          </a:p>
+        </p:txBody>
+      </p:sp>
+      <p:sp>
+        <p:nvSpPr>
+          <p:cNvPr id="241" name="文本框 240">
+            <a:extLst>
+              <a:ext uri="{FF2B5EF4-FFF2-40B4-BE49-F238E27FC236}">
+                <a16:creationId xmlns:a16="http://schemas.microsoft.com/office/drawing/2014/main" id="{90ABBAE7-6707-4A6F-819E-32C1CFD4250B}"/>
+              </a:ext>
+            </a:extLst>
+          </p:cNvPr>
+          <p:cNvSpPr txBox="1"/>
+          <p:nvPr/>
+        </p:nvSpPr>
+        <p:spPr>
+          <a:xfrm>
+            <a:off x="712379" y="173975"/>
+            <a:ext cx="1005403" cy="584775"/>
+          </a:xfrm>
+          <a:prstGeom prst="rect">
+            <a:avLst/>
+          </a:prstGeom>
+          <a:noFill/>
+        </p:spPr>
+        <p:txBody>
+          <a:bodyPr wrap="none" rtlCol="0">
+            <a:spAutoFit/>
+          </a:bodyPr>
+          <a:lstStyle/>
+          <a:p>
+            <a:r>
+              <a:rPr lang="zh-CN" altLang="en-US" sz="3200" b="1">
+                <a:latin typeface="Consolas" panose="020B0609020204030204" pitchFamily="49" charset="0"/>
+                <a:ea typeface="微软雅黑" panose="020B0503020204020204" pitchFamily="34" charset="-122"/>
+              </a:rPr>
+              <a:t>房间</a:t>
+            </a:r>
+          </a:p>
+        </p:txBody>
+      </p:sp>
+      <p:sp>
+        <p:nvSpPr>
+          <p:cNvPr id="11" name="矩形: 圆角 10">
+            <a:extLst>
+              <a:ext uri="{FF2B5EF4-FFF2-40B4-BE49-F238E27FC236}">
+                <a16:creationId xmlns:a16="http://schemas.microsoft.com/office/drawing/2014/main" id="{1877FF4B-C4D2-43A6-8CF1-54F59D63A2DB}"/>
+              </a:ext>
+            </a:extLst>
+          </p:cNvPr>
+          <p:cNvSpPr/>
+          <p:nvPr/>
+        </p:nvSpPr>
+        <p:spPr>
+          <a:xfrm>
+            <a:off x="712380" y="1540136"/>
+            <a:ext cx="1728000" cy="648000"/>
+          </a:xfrm>
+          <a:prstGeom prst="roundRect">
+            <a:avLst/>
+          </a:prstGeom>
+          <a:solidFill>
+            <a:schemeClr val="bg1">
+              <a:lumMod val="95000"/>
+            </a:schemeClr>
+          </a:solidFill>
+          <a:ln>
+            <a:solidFill>
+              <a:schemeClr val="tx1"/>
+            </a:solidFill>
+          </a:ln>
+        </p:spPr>
+        <p:style>
+          <a:lnRef idx="2">
+            <a:schemeClr val="accent1">
+              <a:shade val="50000"/>
+            </a:schemeClr>
+          </a:lnRef>
+          <a:fillRef idx="1">
+            <a:schemeClr val="accent1"/>
+          </a:fillRef>
+          <a:effectRef idx="0">
+            <a:schemeClr val="accent1"/>
+          </a:effectRef>
+          <a:fontRef idx="minor">
+            <a:schemeClr val="lt1"/>
+          </a:fontRef>
+        </p:style>
+        <p:txBody>
+          <a:bodyPr wrap="none" lIns="36000" tIns="36000" rIns="36000" bIns="36000" rtlCol="0" anchor="ctr" anchorCtr="0"/>
+          <a:lstStyle/>
+          <a:p>
+            <a:pPr algn="ctr"/>
+            <a:r>
+              <a:rPr lang="zh-CN" altLang="en-US" b="1">
+                <a:solidFill>
+                  <a:schemeClr val="tx1"/>
+                </a:solidFill>
+                <a:latin typeface="微软雅黑" panose="020B0503020204020204" pitchFamily="34" charset="-122"/>
+                <a:ea typeface="微软雅黑" panose="020B0503020204020204" pitchFamily="34" charset="-122"/>
+              </a:rPr>
+              <a:t>房间表</a:t>
+            </a:r>
+            <a:endParaRPr lang="en-US" altLang="zh-CN" b="1">
+              <a:solidFill>
+                <a:schemeClr val="tx1"/>
+              </a:solidFill>
+              <a:latin typeface="微软雅黑" panose="020B0503020204020204" pitchFamily="34" charset="-122"/>
+              <a:ea typeface="微软雅黑" panose="020B0503020204020204" pitchFamily="34" charset="-122"/>
+            </a:endParaRPr>
+          </a:p>
+          <a:p>
+            <a:pPr algn="ctr"/>
+            <a:r>
+              <a:rPr lang="en-US" altLang="zh-CN" b="1">
+                <a:solidFill>
+                  <a:schemeClr val="tx1"/>
+                </a:solidFill>
+                <a:latin typeface="微软雅黑" panose="020B0503020204020204" pitchFamily="34" charset="-122"/>
+                <a:ea typeface="微软雅黑" panose="020B0503020204020204" pitchFamily="34" charset="-122"/>
+              </a:rPr>
+              <a:t>Room</a:t>
+            </a:r>
+            <a:endParaRPr lang="zh-CN" altLang="en-US" b="1">
+              <a:solidFill>
+                <a:schemeClr val="tx1"/>
+              </a:solidFill>
+              <a:latin typeface="微软雅黑" panose="020B0503020204020204" pitchFamily="34" charset="-122"/>
+              <a:ea typeface="微软雅黑" panose="020B0503020204020204" pitchFamily="34" charset="-122"/>
+            </a:endParaRPr>
+          </a:p>
+        </p:txBody>
+      </p:sp>
+      <p:sp>
+        <p:nvSpPr>
+          <p:cNvPr id="12" name="矩形: 圆角 11">
+            <a:extLst>
+              <a:ext uri="{FF2B5EF4-FFF2-40B4-BE49-F238E27FC236}">
+                <a16:creationId xmlns:a16="http://schemas.microsoft.com/office/drawing/2014/main" id="{82B960E9-1ADE-4BE7-98C4-027567DD6A10}"/>
+              </a:ext>
+            </a:extLst>
+          </p:cNvPr>
+          <p:cNvSpPr/>
+          <p:nvPr/>
+        </p:nvSpPr>
+        <p:spPr>
+          <a:xfrm>
+            <a:off x="712379" y="2188136"/>
+            <a:ext cx="2124127" cy="1861347"/>
+          </a:xfrm>
+          <a:prstGeom prst="roundRect">
+            <a:avLst>
+              <a:gd name="adj" fmla="val 5494"/>
+            </a:avLst>
+          </a:prstGeom>
+          <a:noFill/>
+          <a:ln>
+            <a:solidFill>
+              <a:schemeClr val="tx2"/>
+            </a:solidFill>
+            <a:prstDash val="dash"/>
+          </a:ln>
+        </p:spPr>
+        <p:style>
+          <a:lnRef idx="2">
+            <a:schemeClr val="accent1">
+              <a:shade val="50000"/>
+            </a:schemeClr>
+          </a:lnRef>
+          <a:fillRef idx="1">
+            <a:schemeClr val="accent1"/>
+          </a:fillRef>
+          <a:effectRef idx="0">
+            <a:schemeClr val="accent1"/>
+          </a:effectRef>
+          <a:fontRef idx="minor">
+            <a:schemeClr val="lt1"/>
+          </a:fontRef>
+        </p:style>
+        <p:txBody>
+          <a:bodyPr rtlCol="0" anchor="b" anchorCtr="0"/>
+          <a:lstStyle/>
+          <a:p>
+            <a:r>
+              <a:rPr lang="zh-CN" altLang="en-US" sz="1400" b="1">
+                <a:solidFill>
+                  <a:schemeClr val="tx1"/>
+                </a:solidFill>
+                <a:latin typeface="微软雅黑" panose="020B0503020204020204" pitchFamily="34" charset="-122"/>
+                <a:ea typeface="微软雅黑" panose="020B0503020204020204" pitchFamily="34" charset="-122"/>
+              </a:rPr>
+              <a:t>房间</a:t>
+            </a:r>
+            <a:r>
+              <a:rPr lang="en-US" altLang="zh-CN" sz="1400" b="1">
+                <a:solidFill>
+                  <a:schemeClr val="tx1"/>
+                </a:solidFill>
+                <a:latin typeface="微软雅黑" panose="020B0503020204020204" pitchFamily="34" charset="-122"/>
+                <a:ea typeface="微软雅黑" panose="020B0503020204020204" pitchFamily="34" charset="-122"/>
+              </a:rPr>
+              <a:t>id</a:t>
+            </a:r>
+            <a:br>
+              <a:rPr lang="en-US" altLang="zh-CN" sz="1400" b="1">
+                <a:solidFill>
+                  <a:schemeClr val="tx1"/>
+                </a:solidFill>
+                <a:latin typeface="微软雅黑" panose="020B0503020204020204" pitchFamily="34" charset="-122"/>
+                <a:ea typeface="微软雅黑" panose="020B0503020204020204" pitchFamily="34" charset="-122"/>
+              </a:rPr>
+            </a:br>
+            <a:r>
+              <a:rPr lang="zh-CN" altLang="en-US" sz="1400" b="1">
+                <a:solidFill>
+                  <a:schemeClr val="tx1"/>
+                </a:solidFill>
+                <a:latin typeface="微软雅黑" panose="020B0503020204020204" pitchFamily="34" charset="-122"/>
+                <a:ea typeface="微软雅黑" panose="020B0503020204020204" pitchFamily="34" charset="-122"/>
+              </a:rPr>
+              <a:t>房间类型 </a:t>
+            </a:r>
+            <a:r>
+              <a:rPr lang="en-US" altLang="zh-CN" sz="1400" b="1">
+                <a:solidFill>
+                  <a:schemeClr val="tx1"/>
+                </a:solidFill>
+                <a:latin typeface="微软雅黑" panose="020B0503020204020204" pitchFamily="34" charset="-122"/>
+                <a:ea typeface="微软雅黑" panose="020B0503020204020204" pitchFamily="34" charset="-122"/>
+              </a:rPr>
+              <a:t>[1</a:t>
+            </a:r>
+            <a:r>
+              <a:rPr lang="zh-CN" altLang="en-US" sz="1400" b="1">
+                <a:solidFill>
+                  <a:schemeClr val="tx1"/>
+                </a:solidFill>
+                <a:latin typeface="微软雅黑" panose="020B0503020204020204" pitchFamily="34" charset="-122"/>
+                <a:ea typeface="微软雅黑" panose="020B0503020204020204" pitchFamily="34" charset="-122"/>
+              </a:rPr>
+              <a:t>直播</a:t>
+            </a:r>
+            <a:r>
+              <a:rPr lang="en-US" altLang="zh-CN" sz="1400" b="1">
+                <a:solidFill>
+                  <a:schemeClr val="tx1"/>
+                </a:solidFill>
+                <a:latin typeface="微软雅黑" panose="020B0503020204020204" pitchFamily="34" charset="-122"/>
+                <a:ea typeface="微软雅黑" panose="020B0503020204020204" pitchFamily="34" charset="-122"/>
+              </a:rPr>
+              <a:t>,2</a:t>
+            </a:r>
+            <a:r>
+              <a:rPr lang="zh-CN" altLang="en-US" sz="1400" b="1">
+                <a:solidFill>
+                  <a:schemeClr val="tx1"/>
+                </a:solidFill>
+                <a:latin typeface="微软雅黑" panose="020B0503020204020204" pitchFamily="34" charset="-122"/>
+                <a:ea typeface="微软雅黑" panose="020B0503020204020204" pitchFamily="34" charset="-122"/>
+              </a:rPr>
+              <a:t>回放</a:t>
+            </a:r>
+            <a:r>
+              <a:rPr lang="en-US" altLang="zh-CN" sz="1400" b="1">
+                <a:solidFill>
+                  <a:schemeClr val="tx1"/>
+                </a:solidFill>
+                <a:latin typeface="微软雅黑" panose="020B0503020204020204" pitchFamily="34" charset="-122"/>
+                <a:ea typeface="微软雅黑" panose="020B0503020204020204" pitchFamily="34" charset="-122"/>
+              </a:rPr>
+              <a:t>]</a:t>
+            </a:r>
+          </a:p>
+          <a:p>
+            <a:r>
+              <a:rPr lang="zh-CN" altLang="en-US" sz="1400" b="1">
+                <a:solidFill>
+                  <a:schemeClr val="tx1"/>
+                </a:solidFill>
+                <a:latin typeface="微软雅黑" panose="020B0503020204020204" pitchFamily="34" charset="-122"/>
+                <a:ea typeface="微软雅黑" panose="020B0503020204020204" pitchFamily="34" charset="-122"/>
+              </a:rPr>
+              <a:t>愿力</a:t>
+            </a:r>
+            <a:endParaRPr lang="en-US" altLang="zh-CN" sz="1400" b="1">
+              <a:solidFill>
+                <a:schemeClr val="tx1"/>
+              </a:solidFill>
+              <a:latin typeface="微软雅黑" panose="020B0503020204020204" pitchFamily="34" charset="-122"/>
+              <a:ea typeface="微软雅黑" panose="020B0503020204020204" pitchFamily="34" charset="-122"/>
+            </a:endParaRPr>
+          </a:p>
+          <a:p>
+            <a:r>
+              <a:rPr lang="zh-CN" altLang="en-US" sz="1400" b="1">
+                <a:solidFill>
+                  <a:schemeClr val="tx1"/>
+                </a:solidFill>
+                <a:latin typeface="微软雅黑" panose="020B0503020204020204" pitchFamily="34" charset="-122"/>
+                <a:ea typeface="微软雅黑" panose="020B0503020204020204" pitchFamily="34" charset="-122"/>
+              </a:rPr>
+              <a:t>观众数量</a:t>
+            </a:r>
+            <a:endParaRPr lang="en-US" altLang="zh-CN" sz="1400" b="1">
+              <a:solidFill>
+                <a:schemeClr val="tx1"/>
+              </a:solidFill>
+              <a:latin typeface="微软雅黑" panose="020B0503020204020204" pitchFamily="34" charset="-122"/>
+              <a:ea typeface="微软雅黑" panose="020B0503020204020204" pitchFamily="34" charset="-122"/>
+            </a:endParaRPr>
+          </a:p>
+          <a:p>
+            <a:r>
+              <a:rPr lang="zh-CN" altLang="en-US" sz="1400" b="1">
+                <a:solidFill>
+                  <a:schemeClr val="tx1"/>
+                </a:solidFill>
+                <a:latin typeface="微软雅黑" panose="020B0503020204020204" pitchFamily="34" charset="-122"/>
+                <a:ea typeface="微软雅黑" panose="020B0503020204020204" pitchFamily="34" charset="-122"/>
+              </a:rPr>
+              <a:t>关注数量</a:t>
+            </a:r>
+            <a:endParaRPr lang="en-US" altLang="zh-CN" sz="1400" b="1">
+              <a:solidFill>
+                <a:schemeClr val="tx1"/>
+              </a:solidFill>
+              <a:latin typeface="微软雅黑" panose="020B0503020204020204" pitchFamily="34" charset="-122"/>
+              <a:ea typeface="微软雅黑" panose="020B0503020204020204" pitchFamily="34" charset="-122"/>
+            </a:endParaRPr>
+          </a:p>
+        </p:txBody>
+      </p:sp>
+      <p:sp>
+        <p:nvSpPr>
+          <p:cNvPr id="7" name="矩形: 圆角 6">
+            <a:extLst>
+              <a:ext uri="{FF2B5EF4-FFF2-40B4-BE49-F238E27FC236}">
+                <a16:creationId xmlns:a16="http://schemas.microsoft.com/office/drawing/2014/main" id="{3B6CA00C-0C6C-4A01-8E84-491E3493248C}"/>
+              </a:ext>
+            </a:extLst>
+          </p:cNvPr>
+          <p:cNvSpPr/>
+          <p:nvPr/>
+        </p:nvSpPr>
+        <p:spPr>
+          <a:xfrm>
+            <a:off x="4541042" y="1540136"/>
+            <a:ext cx="1728000" cy="648000"/>
+          </a:xfrm>
+          <a:prstGeom prst="roundRect">
+            <a:avLst/>
+          </a:prstGeom>
+          <a:solidFill>
+            <a:schemeClr val="bg1">
+              <a:lumMod val="95000"/>
+            </a:schemeClr>
+          </a:solidFill>
+          <a:ln>
+            <a:solidFill>
+              <a:schemeClr val="tx1"/>
+            </a:solidFill>
+          </a:ln>
+        </p:spPr>
+        <p:style>
+          <a:lnRef idx="2">
+            <a:schemeClr val="accent1">
+              <a:shade val="50000"/>
+            </a:schemeClr>
+          </a:lnRef>
+          <a:fillRef idx="1">
+            <a:schemeClr val="accent1"/>
+          </a:fillRef>
+          <a:effectRef idx="0">
+            <a:schemeClr val="accent1"/>
+          </a:effectRef>
+          <a:fontRef idx="minor">
+            <a:schemeClr val="lt1"/>
+          </a:fontRef>
+        </p:style>
+        <p:txBody>
+          <a:bodyPr wrap="none" lIns="36000" tIns="36000" rIns="36000" bIns="36000" rtlCol="0" anchor="ctr" anchorCtr="0"/>
+          <a:lstStyle/>
+          <a:p>
+            <a:pPr algn="ctr"/>
+            <a:r>
+              <a:rPr lang="zh-CN" altLang="en-US" b="1">
+                <a:solidFill>
+                  <a:schemeClr val="tx1"/>
+                </a:solidFill>
+                <a:latin typeface="微软雅黑" panose="020B0503020204020204" pitchFamily="34" charset="-122"/>
+                <a:ea typeface="微软雅黑" panose="020B0503020204020204" pitchFamily="34" charset="-122"/>
+              </a:rPr>
+              <a:t>房间表</a:t>
+            </a:r>
+            <a:endParaRPr lang="en-US" altLang="zh-CN" b="1">
+              <a:solidFill>
+                <a:schemeClr val="tx1"/>
+              </a:solidFill>
+              <a:latin typeface="微软雅黑" panose="020B0503020204020204" pitchFamily="34" charset="-122"/>
+              <a:ea typeface="微软雅黑" panose="020B0503020204020204" pitchFamily="34" charset="-122"/>
+            </a:endParaRPr>
+          </a:p>
+          <a:p>
+            <a:pPr algn="ctr"/>
+            <a:r>
+              <a:rPr lang="en-US" altLang="zh-CN" b="1">
+                <a:solidFill>
+                  <a:schemeClr val="tx1"/>
+                </a:solidFill>
+                <a:latin typeface="微软雅黑" panose="020B0503020204020204" pitchFamily="34" charset="-122"/>
+                <a:ea typeface="微软雅黑" panose="020B0503020204020204" pitchFamily="34" charset="-122"/>
+              </a:rPr>
+              <a:t>Room</a:t>
+            </a:r>
+            <a:endParaRPr lang="zh-CN" altLang="en-US" b="1">
+              <a:solidFill>
+                <a:schemeClr val="tx1"/>
+              </a:solidFill>
+              <a:latin typeface="微软雅黑" panose="020B0503020204020204" pitchFamily="34" charset="-122"/>
+              <a:ea typeface="微软雅黑" panose="020B0503020204020204" pitchFamily="34" charset="-122"/>
+            </a:endParaRPr>
+          </a:p>
+        </p:txBody>
+      </p:sp>
+      <p:sp>
+        <p:nvSpPr>
+          <p:cNvPr id="8" name="矩形: 圆角 7">
+            <a:extLst>
+              <a:ext uri="{FF2B5EF4-FFF2-40B4-BE49-F238E27FC236}">
+                <a16:creationId xmlns:a16="http://schemas.microsoft.com/office/drawing/2014/main" id="{FCB3EB2F-5BC8-468D-A6E8-240DF56754CB}"/>
+              </a:ext>
+            </a:extLst>
+          </p:cNvPr>
+          <p:cNvSpPr/>
+          <p:nvPr/>
+        </p:nvSpPr>
+        <p:spPr>
+          <a:xfrm>
+            <a:off x="4541041" y="2188136"/>
+            <a:ext cx="2124127" cy="1861347"/>
+          </a:xfrm>
+          <a:prstGeom prst="roundRect">
+            <a:avLst>
+              <a:gd name="adj" fmla="val 5494"/>
+            </a:avLst>
+          </a:prstGeom>
+          <a:noFill/>
+          <a:ln>
+            <a:solidFill>
+              <a:schemeClr val="tx2"/>
+            </a:solidFill>
+            <a:prstDash val="dash"/>
+          </a:ln>
+        </p:spPr>
+        <p:style>
+          <a:lnRef idx="2">
+            <a:schemeClr val="accent1">
+              <a:shade val="50000"/>
+            </a:schemeClr>
+          </a:lnRef>
+          <a:fillRef idx="1">
+            <a:schemeClr val="accent1"/>
+          </a:fillRef>
+          <a:effectRef idx="0">
+            <a:schemeClr val="accent1"/>
+          </a:effectRef>
+          <a:fontRef idx="minor">
+            <a:schemeClr val="lt1"/>
+          </a:fontRef>
+        </p:style>
+        <p:txBody>
+          <a:bodyPr rtlCol="0" anchor="b" anchorCtr="0"/>
+          <a:lstStyle/>
+          <a:p>
+            <a:r>
+              <a:rPr lang="zh-CN" altLang="en-US" sz="1400" b="1">
+                <a:solidFill>
+                  <a:schemeClr val="tx1"/>
+                </a:solidFill>
+                <a:latin typeface="微软雅黑" panose="020B0503020204020204" pitchFamily="34" charset="-122"/>
+                <a:ea typeface="微软雅黑" panose="020B0503020204020204" pitchFamily="34" charset="-122"/>
+              </a:rPr>
+              <a:t>房间</a:t>
+            </a:r>
+            <a:r>
+              <a:rPr lang="en-US" altLang="zh-CN" sz="1400" b="1">
+                <a:solidFill>
+                  <a:schemeClr val="tx1"/>
+                </a:solidFill>
+                <a:latin typeface="微软雅黑" panose="020B0503020204020204" pitchFamily="34" charset="-122"/>
+                <a:ea typeface="微软雅黑" panose="020B0503020204020204" pitchFamily="34" charset="-122"/>
+              </a:rPr>
+              <a:t>id</a:t>
+            </a:r>
+            <a:br>
+              <a:rPr lang="en-US" altLang="zh-CN" sz="1400" b="1">
+                <a:solidFill>
+                  <a:schemeClr val="tx1"/>
+                </a:solidFill>
+                <a:latin typeface="微软雅黑" panose="020B0503020204020204" pitchFamily="34" charset="-122"/>
+                <a:ea typeface="微软雅黑" panose="020B0503020204020204" pitchFamily="34" charset="-122"/>
+              </a:rPr>
+            </a:br>
+            <a:r>
+              <a:rPr lang="zh-CN" altLang="en-US" sz="1400" b="1">
+                <a:solidFill>
+                  <a:schemeClr val="tx1"/>
+                </a:solidFill>
+                <a:latin typeface="微软雅黑" panose="020B0503020204020204" pitchFamily="34" charset="-122"/>
+                <a:ea typeface="微软雅黑" panose="020B0503020204020204" pitchFamily="34" charset="-122"/>
+              </a:rPr>
+              <a:t>房间类型 </a:t>
+            </a:r>
+            <a:r>
+              <a:rPr lang="en-US" altLang="zh-CN" sz="1400" b="1">
+                <a:solidFill>
+                  <a:schemeClr val="tx1"/>
+                </a:solidFill>
+                <a:latin typeface="微软雅黑" panose="020B0503020204020204" pitchFamily="34" charset="-122"/>
+                <a:ea typeface="微软雅黑" panose="020B0503020204020204" pitchFamily="34" charset="-122"/>
+              </a:rPr>
+              <a:t>[1</a:t>
+            </a:r>
+            <a:r>
+              <a:rPr lang="zh-CN" altLang="en-US" sz="1400" b="1">
+                <a:solidFill>
+                  <a:schemeClr val="tx1"/>
+                </a:solidFill>
+                <a:latin typeface="微软雅黑" panose="020B0503020204020204" pitchFamily="34" charset="-122"/>
+                <a:ea typeface="微软雅黑" panose="020B0503020204020204" pitchFamily="34" charset="-122"/>
+              </a:rPr>
+              <a:t>直播</a:t>
+            </a:r>
+            <a:r>
+              <a:rPr lang="en-US" altLang="zh-CN" sz="1400" b="1">
+                <a:solidFill>
+                  <a:schemeClr val="tx1"/>
+                </a:solidFill>
+                <a:latin typeface="微软雅黑" panose="020B0503020204020204" pitchFamily="34" charset="-122"/>
+                <a:ea typeface="微软雅黑" panose="020B0503020204020204" pitchFamily="34" charset="-122"/>
+              </a:rPr>
+              <a:t>,2</a:t>
+            </a:r>
+            <a:r>
+              <a:rPr lang="zh-CN" altLang="en-US" sz="1400" b="1">
+                <a:solidFill>
+                  <a:schemeClr val="tx1"/>
+                </a:solidFill>
+                <a:latin typeface="微软雅黑" panose="020B0503020204020204" pitchFamily="34" charset="-122"/>
+                <a:ea typeface="微软雅黑" panose="020B0503020204020204" pitchFamily="34" charset="-122"/>
+              </a:rPr>
+              <a:t>回放</a:t>
+            </a:r>
+            <a:r>
+              <a:rPr lang="en-US" altLang="zh-CN" sz="1400" b="1">
+                <a:solidFill>
+                  <a:schemeClr val="tx1"/>
+                </a:solidFill>
+                <a:latin typeface="微软雅黑" panose="020B0503020204020204" pitchFamily="34" charset="-122"/>
+                <a:ea typeface="微软雅黑" panose="020B0503020204020204" pitchFamily="34" charset="-122"/>
+              </a:rPr>
+              <a:t>]</a:t>
+            </a:r>
+          </a:p>
+          <a:p>
+            <a:r>
+              <a:rPr lang="zh-CN" altLang="en-US" sz="1400" b="1">
+                <a:solidFill>
+                  <a:schemeClr val="tx1"/>
+                </a:solidFill>
+                <a:latin typeface="微软雅黑" panose="020B0503020204020204" pitchFamily="34" charset="-122"/>
+                <a:ea typeface="微软雅黑" panose="020B0503020204020204" pitchFamily="34" charset="-122"/>
+              </a:rPr>
+              <a:t>愿力</a:t>
+            </a:r>
+            <a:endParaRPr lang="en-US" altLang="zh-CN" sz="1400" b="1">
+              <a:solidFill>
+                <a:schemeClr val="tx1"/>
+              </a:solidFill>
+              <a:latin typeface="微软雅黑" panose="020B0503020204020204" pitchFamily="34" charset="-122"/>
+              <a:ea typeface="微软雅黑" panose="020B0503020204020204" pitchFamily="34" charset="-122"/>
+            </a:endParaRPr>
+          </a:p>
+          <a:p>
+            <a:r>
+              <a:rPr lang="zh-CN" altLang="en-US" sz="1400" b="1">
+                <a:solidFill>
+                  <a:schemeClr val="tx1"/>
+                </a:solidFill>
+                <a:latin typeface="微软雅黑" panose="020B0503020204020204" pitchFamily="34" charset="-122"/>
+                <a:ea typeface="微软雅黑" panose="020B0503020204020204" pitchFamily="34" charset="-122"/>
+              </a:rPr>
+              <a:t>观众数量</a:t>
+            </a:r>
+            <a:endParaRPr lang="en-US" altLang="zh-CN" sz="1400" b="1">
+              <a:solidFill>
+                <a:schemeClr val="tx1"/>
+              </a:solidFill>
+              <a:latin typeface="微软雅黑" panose="020B0503020204020204" pitchFamily="34" charset="-122"/>
+              <a:ea typeface="微软雅黑" panose="020B0503020204020204" pitchFamily="34" charset="-122"/>
+            </a:endParaRPr>
+          </a:p>
+          <a:p>
+            <a:r>
+              <a:rPr lang="zh-CN" altLang="en-US" sz="1400" b="1">
+                <a:solidFill>
+                  <a:schemeClr val="tx1"/>
+                </a:solidFill>
+                <a:latin typeface="微软雅黑" panose="020B0503020204020204" pitchFamily="34" charset="-122"/>
+                <a:ea typeface="微软雅黑" panose="020B0503020204020204" pitchFamily="34" charset="-122"/>
+              </a:rPr>
+              <a:t>关注数量</a:t>
+            </a:r>
+            <a:endParaRPr lang="en-US" altLang="zh-CN" sz="1400" b="1">
+              <a:solidFill>
+                <a:schemeClr val="tx1"/>
+              </a:solidFill>
+              <a:latin typeface="微软雅黑" panose="020B0503020204020204" pitchFamily="34" charset="-122"/>
+              <a:ea typeface="微软雅黑" panose="020B0503020204020204" pitchFamily="34" charset="-122"/>
+            </a:endParaRPr>
+          </a:p>
+        </p:txBody>
+      </p:sp>
+    </p:spTree>
+    <p:extLst>
+      <p:ext uri="{BB962C8B-B14F-4D97-AF65-F5344CB8AC3E}">
+        <p14:creationId xmlns:p14="http://schemas.microsoft.com/office/powerpoint/2010/main" val="2974443662"/>
+      </p:ext>
+    </p:extLst>
+  </p:cSld>
+  <p:clrMapOvr>
+    <a:masterClrMapping/>
+  </p:clrMapOvr>
+</p:sld>
+</file>
+
+<file path=ppt/slides/slide3.xml><?xml version="1.0" encoding="utf-8"?>
 <p:sld xmlns:a="http://schemas.openxmlformats.org/drawingml/2006/main" xmlns:r="http://schemas.openxmlformats.org/officeDocument/2006/relationships" xmlns:p="http://schemas.openxmlformats.org/presentationml/2006/main">
   <p:cSld>
     <p:spTree>
@@ -12424,7 +14126,7 @@
 </p:sld>
 </file>
 
-<file path=ppt/slides/slide3.xml><?xml version="1.0" encoding="utf-8"?>
+<file path=ppt/slides/slide4.xml><?xml version="1.0" encoding="utf-8"?>
 <p:sld xmlns:a="http://schemas.openxmlformats.org/drawingml/2006/main" xmlns:r="http://schemas.openxmlformats.org/officeDocument/2006/relationships" xmlns:p="http://schemas.openxmlformats.org/presentationml/2006/main">
   <p:cSld>
     <p:spTree>
@@ -13827,7 +15529,7 @@
 </p:sld>
 </file>
 
-<file path=ppt/slides/slide4.xml><?xml version="1.0" encoding="utf-8"?>
+<file path=ppt/slides/slide5.xml><?xml version="1.0" encoding="utf-8"?>
 <p:sld xmlns:a="http://schemas.openxmlformats.org/drawingml/2006/main" xmlns:r="http://schemas.openxmlformats.org/officeDocument/2006/relationships" xmlns:p="http://schemas.openxmlformats.org/presentationml/2006/main">
   <p:cSld>
     <p:spTree>
@@ -15146,7 +16848,7 @@
 </p:sld>
 </file>
 
-<file path=ppt/slides/slide5.xml><?xml version="1.0" encoding="utf-8"?>
+<file path=ppt/slides/slide6.xml><?xml version="1.0" encoding="utf-8"?>
 <p:sld xmlns:a="http://schemas.openxmlformats.org/drawingml/2006/main" xmlns:r="http://schemas.openxmlformats.org/officeDocument/2006/relationships" xmlns:p="http://schemas.openxmlformats.org/presentationml/2006/main">
   <p:cSld>
     <p:spTree>
@@ -16764,7 +18466,7 @@
 </p:sld>
 </file>
 
-<file path=ppt/slides/slide6.xml><?xml version="1.0" encoding="utf-8"?>
+<file path=ppt/slides/slide7.xml><?xml version="1.0" encoding="utf-8"?>
 <p:sld xmlns:a="http://schemas.openxmlformats.org/drawingml/2006/main" xmlns:r="http://schemas.openxmlformats.org/officeDocument/2006/relationships" xmlns:p="http://schemas.openxmlformats.org/presentationml/2006/main">
   <p:cSld>
     <p:spTree>
@@ -17665,7 +19367,7 @@
 </p:sld>
 </file>
 
-<file path=ppt/slides/slide7.xml><?xml version="1.0" encoding="utf-8"?>
+<file path=ppt/slides/slide8.xml><?xml version="1.0" encoding="utf-8"?>
 <p:sld xmlns:a="http://schemas.openxmlformats.org/drawingml/2006/main" xmlns:r="http://schemas.openxmlformats.org/officeDocument/2006/relationships" xmlns:p="http://schemas.openxmlformats.org/presentationml/2006/main">
   <p:cSld>
     <p:spTree>
@@ -18776,7 +20478,7 @@
 </p:sld>
 </file>
 
-<file path=ppt/slides/slide8.xml><?xml version="1.0" encoding="utf-8"?>
+<file path=ppt/slides/slide9.xml><?xml version="1.0" encoding="utf-8"?>
 <p:sld xmlns:a="http://schemas.openxmlformats.org/drawingml/2006/main" xmlns:r="http://schemas.openxmlformats.org/officeDocument/2006/relationships" xmlns:p="http://schemas.openxmlformats.org/presentationml/2006/main">
   <p:cSld>
     <p:spTree>
@@ -20492,865 +22194,6 @@
 </p:sld>
 </file>
 
-<file path=ppt/slides/slide9.xml><?xml version="1.0" encoding="utf-8"?>
-<p:sld xmlns:a="http://schemas.openxmlformats.org/drawingml/2006/main" xmlns:r="http://schemas.openxmlformats.org/officeDocument/2006/relationships" xmlns:p="http://schemas.openxmlformats.org/presentationml/2006/main">
-  <p:cSld>
-    <p:spTree>
-      <p:nvGrpSpPr>
-        <p:cNvPr id="1" name=""/>
-        <p:cNvGrpSpPr/>
-        <p:nvPr/>
-      </p:nvGrpSpPr>
-      <p:grpSpPr>
-        <a:xfrm>
-          <a:off x="0" y="0"/>
-          <a:ext cx="0" cy="0"/>
-          <a:chOff x="0" y="0"/>
-          <a:chExt cx="0" cy="0"/>
-        </a:xfrm>
-      </p:grpSpPr>
-      <p:cxnSp>
-        <p:nvCxnSpPr>
-          <p:cNvPr id="239" name="直接连接符 238">
-            <a:extLst>
-              <a:ext uri="{FF2B5EF4-FFF2-40B4-BE49-F238E27FC236}">
-                <a16:creationId xmlns:a16="http://schemas.microsoft.com/office/drawing/2014/main" id="{05CC9636-A076-48A7-9A94-4E0212BA0C59}"/>
-              </a:ext>
-            </a:extLst>
-          </p:cNvPr>
-          <p:cNvCxnSpPr>
-            <a:cxnSpLocks/>
-          </p:cNvCxnSpPr>
-          <p:nvPr/>
-        </p:nvCxnSpPr>
-        <p:spPr>
-          <a:xfrm flipH="1">
-            <a:off x="433388" y="866051"/>
-            <a:ext cx="11325225" cy="1"/>
-          </a:xfrm>
-          <a:prstGeom prst="line">
-            <a:avLst/>
-          </a:prstGeom>
-          <a:ln w="19050">
-            <a:solidFill>
-              <a:srgbClr val="00576E"/>
-            </a:solidFill>
-          </a:ln>
-          <a:effectLst>
-            <a:outerShdw blurRad="50800" dist="12700" dir="5400000" algn="t" rotWithShape="0">
-              <a:prstClr val="black">
-                <a:alpha val="40000"/>
-              </a:prstClr>
-            </a:outerShdw>
-          </a:effectLst>
-        </p:spPr>
-        <p:style>
-          <a:lnRef idx="2">
-            <a:schemeClr val="accent1"/>
-          </a:lnRef>
-          <a:fillRef idx="0">
-            <a:schemeClr val="accent1"/>
-          </a:fillRef>
-          <a:effectRef idx="1">
-            <a:schemeClr val="accent1"/>
-          </a:effectRef>
-          <a:fontRef idx="minor">
-            <a:schemeClr val="tx1"/>
-          </a:fontRef>
-        </p:style>
-      </p:cxnSp>
-      <p:sp>
-        <p:nvSpPr>
-          <p:cNvPr id="240" name="矩形 239">
-            <a:extLst>
-              <a:ext uri="{FF2B5EF4-FFF2-40B4-BE49-F238E27FC236}">
-                <a16:creationId xmlns:a16="http://schemas.microsoft.com/office/drawing/2014/main" id="{CE6D800A-2E58-40A9-AF4D-2C92406102BA}"/>
-              </a:ext>
-            </a:extLst>
-          </p:cNvPr>
-          <p:cNvSpPr/>
-          <p:nvPr/>
-        </p:nvSpPr>
-        <p:spPr>
-          <a:xfrm>
-            <a:off x="471489" y="209549"/>
-            <a:ext cx="119062" cy="513626"/>
-          </a:xfrm>
-          <a:prstGeom prst="rect">
-            <a:avLst/>
-          </a:prstGeom>
-          <a:solidFill>
-            <a:srgbClr val="00576E"/>
-          </a:solidFill>
-        </p:spPr>
-        <p:style>
-          <a:lnRef idx="2">
-            <a:schemeClr val="accent1">
-              <a:shade val="50000"/>
-            </a:schemeClr>
-          </a:lnRef>
-          <a:fillRef idx="1">
-            <a:schemeClr val="accent1"/>
-          </a:fillRef>
-          <a:effectRef idx="0">
-            <a:schemeClr val="accent1"/>
-          </a:effectRef>
-          <a:fontRef idx="minor">
-            <a:schemeClr val="lt1"/>
-          </a:fontRef>
-        </p:style>
-        <p:txBody>
-          <a:bodyPr rtlCol="0" anchor="ctr"/>
-          <a:lstStyle/>
-          <a:p>
-            <a:pPr algn="ctr"/>
-            <a:endParaRPr lang="zh-CN" altLang="en-US">
-              <a:latin typeface="Consolas" panose="020B0609020204030204" pitchFamily="49" charset="0"/>
-            </a:endParaRPr>
-          </a:p>
-        </p:txBody>
-      </p:sp>
-      <p:sp>
-        <p:nvSpPr>
-          <p:cNvPr id="241" name="文本框 240">
-            <a:extLst>
-              <a:ext uri="{FF2B5EF4-FFF2-40B4-BE49-F238E27FC236}">
-                <a16:creationId xmlns:a16="http://schemas.microsoft.com/office/drawing/2014/main" id="{90ABBAE7-6707-4A6F-819E-32C1CFD4250B}"/>
-              </a:ext>
-            </a:extLst>
-          </p:cNvPr>
-          <p:cNvSpPr txBox="1"/>
-          <p:nvPr/>
-        </p:nvSpPr>
-        <p:spPr>
-          <a:xfrm>
-            <a:off x="712379" y="173975"/>
-            <a:ext cx="1826141" cy="584775"/>
-          </a:xfrm>
-          <a:prstGeom prst="rect">
-            <a:avLst/>
-          </a:prstGeom>
-          <a:noFill/>
-        </p:spPr>
-        <p:txBody>
-          <a:bodyPr wrap="none" rtlCol="0">
-            <a:spAutoFit/>
-          </a:bodyPr>
-          <a:lstStyle/>
-          <a:p>
-            <a:r>
-              <a:rPr lang="zh-CN" altLang="en-US" sz="3200" b="1">
-                <a:latin typeface="Consolas" panose="020B0609020204030204" pitchFamily="49" charset="0"/>
-                <a:ea typeface="微软雅黑" panose="020B0503020204020204" pitchFamily="34" charset="-122"/>
-              </a:rPr>
-              <a:t>点评标签</a:t>
-            </a:r>
-          </a:p>
-        </p:txBody>
-      </p:sp>
-      <p:grpSp>
-        <p:nvGrpSpPr>
-          <p:cNvPr id="26" name="组合 25">
-            <a:extLst>
-              <a:ext uri="{FF2B5EF4-FFF2-40B4-BE49-F238E27FC236}">
-                <a16:creationId xmlns:a16="http://schemas.microsoft.com/office/drawing/2014/main" id="{45CBD914-022C-408E-A446-12895B3A7D84}"/>
-              </a:ext>
-            </a:extLst>
-          </p:cNvPr>
-          <p:cNvGrpSpPr/>
-          <p:nvPr/>
-        </p:nvGrpSpPr>
-        <p:grpSpPr>
-          <a:xfrm>
-            <a:off x="4472570" y="2268096"/>
-            <a:ext cx="2340000" cy="1620000"/>
-            <a:chOff x="4369933" y="5034995"/>
-            <a:chExt cx="2340000" cy="1620000"/>
-          </a:xfrm>
-        </p:grpSpPr>
-        <p:sp>
-          <p:nvSpPr>
-            <p:cNvPr id="42" name="矩形: 圆角 41">
-              <a:extLst>
-                <a:ext uri="{FF2B5EF4-FFF2-40B4-BE49-F238E27FC236}">
-                  <a16:creationId xmlns:a16="http://schemas.microsoft.com/office/drawing/2014/main" id="{3B2DD3A4-7EED-4534-B760-85AC344D20E1}"/>
-                </a:ext>
-              </a:extLst>
-            </p:cNvPr>
-            <p:cNvSpPr/>
-            <p:nvPr/>
-          </p:nvSpPr>
-          <p:spPr>
-            <a:xfrm>
-              <a:off x="4369933" y="5034995"/>
-              <a:ext cx="2340000" cy="1620000"/>
-            </a:xfrm>
-            <a:prstGeom prst="roundRect">
-              <a:avLst>
-                <a:gd name="adj" fmla="val 5494"/>
-              </a:avLst>
-            </a:prstGeom>
-            <a:noFill/>
-            <a:ln>
-              <a:solidFill>
-                <a:schemeClr val="tx2"/>
-              </a:solidFill>
-              <a:prstDash val="dash"/>
-            </a:ln>
-          </p:spPr>
-          <p:style>
-            <a:lnRef idx="2">
-              <a:schemeClr val="accent1">
-                <a:shade val="50000"/>
-              </a:schemeClr>
-            </a:lnRef>
-            <a:fillRef idx="1">
-              <a:schemeClr val="accent1"/>
-            </a:fillRef>
-            <a:effectRef idx="0">
-              <a:schemeClr val="accent1"/>
-            </a:effectRef>
-            <a:fontRef idx="minor">
-              <a:schemeClr val="lt1"/>
-            </a:fontRef>
-          </p:style>
-          <p:txBody>
-            <a:bodyPr rtlCol="0" anchor="ctr"/>
-            <a:lstStyle/>
-            <a:p>
-              <a:pPr algn="ctr"/>
-              <a:endParaRPr lang="zh-CN" altLang="en-US" sz="1600">
-                <a:latin typeface="微软雅黑" panose="020B0503020204020204" pitchFamily="34" charset="-122"/>
-                <a:ea typeface="微软雅黑" panose="020B0503020204020204" pitchFamily="34" charset="-122"/>
-              </a:endParaRPr>
-            </a:p>
-          </p:txBody>
-        </p:sp>
-        <p:sp>
-          <p:nvSpPr>
-            <p:cNvPr id="44" name="矩形: 圆角 43">
-              <a:extLst>
-                <a:ext uri="{FF2B5EF4-FFF2-40B4-BE49-F238E27FC236}">
-                  <a16:creationId xmlns:a16="http://schemas.microsoft.com/office/drawing/2014/main" id="{FCCE9879-35A7-4F63-8D9A-6351A9143EAD}"/>
-                </a:ext>
-              </a:extLst>
-            </p:cNvPr>
-            <p:cNvSpPr/>
-            <p:nvPr/>
-          </p:nvSpPr>
-          <p:spPr>
-            <a:xfrm>
-              <a:off x="4981933" y="5174917"/>
-              <a:ext cx="1116000" cy="540000"/>
-            </a:xfrm>
-            <a:prstGeom prst="roundRect">
-              <a:avLst/>
-            </a:prstGeom>
-            <a:solidFill>
-              <a:srgbClr val="00B0F0"/>
-            </a:solidFill>
-            <a:ln>
-              <a:solidFill>
-                <a:schemeClr val="tx1"/>
-              </a:solidFill>
-            </a:ln>
-          </p:spPr>
-          <p:style>
-            <a:lnRef idx="2">
-              <a:schemeClr val="accent1">
-                <a:shade val="50000"/>
-              </a:schemeClr>
-            </a:lnRef>
-            <a:fillRef idx="1">
-              <a:schemeClr val="accent1"/>
-            </a:fillRef>
-            <a:effectRef idx="0">
-              <a:schemeClr val="accent1"/>
-            </a:effectRef>
-            <a:fontRef idx="minor">
-              <a:schemeClr val="lt1"/>
-            </a:fontRef>
-          </p:style>
-          <p:txBody>
-            <a:bodyPr wrap="none" lIns="36000" tIns="36000" rIns="36000" bIns="36000" rtlCol="0" anchor="ctr" anchorCtr="0"/>
-            <a:lstStyle/>
-            <a:p>
-              <a:pPr algn="ctr"/>
-              <a:r>
-                <a:rPr lang="zh-CN" altLang="en-US" sz="1600" b="1">
-                  <a:solidFill>
-                    <a:schemeClr val="tx1"/>
-                  </a:solidFill>
-                  <a:latin typeface="微软雅黑" panose="020B0503020204020204" pitchFamily="34" charset="-122"/>
-                  <a:ea typeface="微软雅黑" panose="020B0503020204020204" pitchFamily="34" charset="-122"/>
-                </a:rPr>
-                <a:t>基金会成员</a:t>
-              </a:r>
-            </a:p>
-          </p:txBody>
-        </p:sp>
-        <p:sp>
-          <p:nvSpPr>
-            <p:cNvPr id="45" name="矩形: 圆角 44">
-              <a:extLst>
-                <a:ext uri="{FF2B5EF4-FFF2-40B4-BE49-F238E27FC236}">
-                  <a16:creationId xmlns:a16="http://schemas.microsoft.com/office/drawing/2014/main" id="{D8880FBF-FF61-4673-B2F9-85E42C73187E}"/>
-                </a:ext>
-              </a:extLst>
-            </p:cNvPr>
-            <p:cNvSpPr/>
-            <p:nvPr/>
-          </p:nvSpPr>
-          <p:spPr>
-            <a:xfrm>
-              <a:off x="4495933" y="5867073"/>
-              <a:ext cx="2088000" cy="648000"/>
-            </a:xfrm>
-            <a:prstGeom prst="roundRect">
-              <a:avLst/>
-            </a:prstGeom>
-            <a:solidFill>
-              <a:srgbClr val="00B050"/>
-            </a:solidFill>
-            <a:ln>
-              <a:solidFill>
-                <a:schemeClr val="tx1"/>
-              </a:solidFill>
-            </a:ln>
-          </p:spPr>
-          <p:style>
-            <a:lnRef idx="2">
-              <a:schemeClr val="accent1">
-                <a:shade val="50000"/>
-              </a:schemeClr>
-            </a:lnRef>
-            <a:fillRef idx="1">
-              <a:schemeClr val="accent1"/>
-            </a:fillRef>
-            <a:effectRef idx="0">
-              <a:schemeClr val="accent1"/>
-            </a:effectRef>
-            <a:fontRef idx="minor">
-              <a:schemeClr val="lt1"/>
-            </a:fontRef>
-          </p:style>
-          <p:txBody>
-            <a:bodyPr wrap="none" lIns="36000" tIns="36000" rIns="36000" bIns="36000" rtlCol="0" anchor="ctr" anchorCtr="0"/>
-            <a:lstStyle/>
-            <a:p>
-              <a:pPr algn="ctr"/>
-              <a:r>
-                <a:rPr lang="zh-CN" altLang="en-US" sz="1600" b="1">
-                  <a:solidFill>
-                    <a:schemeClr val="tx1"/>
-                  </a:solidFill>
-                  <a:latin typeface="微软雅黑" panose="020B0503020204020204" pitchFamily="34" charset="-122"/>
-                  <a:ea typeface="微软雅黑" panose="020B0503020204020204" pitchFamily="34" charset="-122"/>
-                </a:rPr>
-                <a:t>查看标签</a:t>
-              </a:r>
-              <a:endParaRPr lang="en-US" altLang="zh-CN" sz="1600" b="1">
-                <a:solidFill>
-                  <a:schemeClr val="tx1"/>
-                </a:solidFill>
-                <a:latin typeface="微软雅黑" panose="020B0503020204020204" pitchFamily="34" charset="-122"/>
-                <a:ea typeface="微软雅黑" panose="020B0503020204020204" pitchFamily="34" charset="-122"/>
-              </a:endParaRPr>
-            </a:p>
-            <a:p>
-              <a:pPr algn="ctr"/>
-              <a:r>
-                <a:rPr lang="en-US" altLang="zh-CN" sz="1600" b="1">
-                  <a:solidFill>
-                    <a:schemeClr val="tx1"/>
-                  </a:solidFill>
-                  <a:latin typeface="微软雅黑" panose="020B0503020204020204" pitchFamily="34" charset="-122"/>
-                  <a:ea typeface="微软雅黑" panose="020B0503020204020204" pitchFamily="34" charset="-122"/>
-                </a:rPr>
-                <a:t>list_commentlabel</a:t>
-              </a:r>
-              <a:endParaRPr lang="zh-CN" altLang="en-US" sz="1600" b="1">
-                <a:solidFill>
-                  <a:schemeClr val="tx1"/>
-                </a:solidFill>
-                <a:latin typeface="微软雅黑" panose="020B0503020204020204" pitchFamily="34" charset="-122"/>
-                <a:ea typeface="微软雅黑" panose="020B0503020204020204" pitchFamily="34" charset="-122"/>
-              </a:endParaRPr>
-            </a:p>
-          </p:txBody>
-        </p:sp>
-      </p:grpSp>
-      <p:cxnSp>
-        <p:nvCxnSpPr>
-          <p:cNvPr id="49" name="直接箭头连接符 48">
-            <a:extLst>
-              <a:ext uri="{FF2B5EF4-FFF2-40B4-BE49-F238E27FC236}">
-                <a16:creationId xmlns:a16="http://schemas.microsoft.com/office/drawing/2014/main" id="{6BBE946B-60BF-4F4B-81A4-3241182FB629}"/>
-              </a:ext>
-            </a:extLst>
-          </p:cNvPr>
-          <p:cNvCxnSpPr>
-            <a:cxnSpLocks/>
-            <a:stCxn id="22" idx="3"/>
-            <a:endCxn id="42" idx="1"/>
-          </p:cNvCxnSpPr>
-          <p:nvPr/>
-        </p:nvCxnSpPr>
-        <p:spPr>
-          <a:xfrm>
-            <a:off x="3140538" y="3061628"/>
-            <a:ext cx="1332032" cy="16468"/>
-          </a:xfrm>
-          <a:prstGeom prst="straightConnector1">
-            <a:avLst/>
-          </a:prstGeom>
-          <a:ln w="57150">
-            <a:solidFill>
-              <a:srgbClr val="FFC000"/>
-            </a:solidFill>
-            <a:tailEnd type="triangle"/>
-          </a:ln>
-        </p:spPr>
-        <p:style>
-          <a:lnRef idx="1">
-            <a:schemeClr val="accent1"/>
-          </a:lnRef>
-          <a:fillRef idx="0">
-            <a:schemeClr val="accent1"/>
-          </a:fillRef>
-          <a:effectRef idx="0">
-            <a:schemeClr val="accent1"/>
-          </a:effectRef>
-          <a:fontRef idx="minor">
-            <a:schemeClr val="tx1"/>
-          </a:fontRef>
-        </p:style>
-      </p:cxnSp>
-      <p:grpSp>
-        <p:nvGrpSpPr>
-          <p:cNvPr id="27" name="组合 26">
-            <a:extLst>
-              <a:ext uri="{FF2B5EF4-FFF2-40B4-BE49-F238E27FC236}">
-                <a16:creationId xmlns:a16="http://schemas.microsoft.com/office/drawing/2014/main" id="{24108210-E60E-405F-8159-218011BDA901}"/>
-              </a:ext>
-            </a:extLst>
-          </p:cNvPr>
-          <p:cNvGrpSpPr/>
-          <p:nvPr/>
-        </p:nvGrpSpPr>
-        <p:grpSpPr>
-          <a:xfrm>
-            <a:off x="433388" y="1440000"/>
-            <a:ext cx="2707150" cy="3243256"/>
-            <a:chOff x="433388" y="2342704"/>
-            <a:chExt cx="2707150" cy="3243256"/>
-          </a:xfrm>
-        </p:grpSpPr>
-        <p:sp>
-          <p:nvSpPr>
-            <p:cNvPr id="22" name="矩形: 圆角 21">
-              <a:extLst>
-                <a:ext uri="{FF2B5EF4-FFF2-40B4-BE49-F238E27FC236}">
-                  <a16:creationId xmlns:a16="http://schemas.microsoft.com/office/drawing/2014/main" id="{44E9DDD3-78CB-4BBC-8CD8-3F3E184C49A0}"/>
-                </a:ext>
-              </a:extLst>
-            </p:cNvPr>
-            <p:cNvSpPr/>
-            <p:nvPr/>
-          </p:nvSpPr>
-          <p:spPr>
-            <a:xfrm>
-              <a:off x="433388" y="2342704"/>
-              <a:ext cx="2707150" cy="3243256"/>
-            </a:xfrm>
-            <a:prstGeom prst="roundRect">
-              <a:avLst>
-                <a:gd name="adj" fmla="val 5494"/>
-              </a:avLst>
-            </a:prstGeom>
-            <a:noFill/>
-            <a:ln>
-              <a:solidFill>
-                <a:schemeClr val="tx2"/>
-              </a:solidFill>
-              <a:prstDash val="dash"/>
-            </a:ln>
-          </p:spPr>
-          <p:style>
-            <a:lnRef idx="2">
-              <a:schemeClr val="accent1">
-                <a:shade val="50000"/>
-              </a:schemeClr>
-            </a:lnRef>
-            <a:fillRef idx="1">
-              <a:schemeClr val="accent1"/>
-            </a:fillRef>
-            <a:effectRef idx="0">
-              <a:schemeClr val="accent1"/>
-            </a:effectRef>
-            <a:fontRef idx="minor">
-              <a:schemeClr val="lt1"/>
-            </a:fontRef>
-          </p:style>
-          <p:txBody>
-            <a:bodyPr rtlCol="0" anchor="ctr"/>
-            <a:lstStyle/>
-            <a:p>
-              <a:pPr algn="ctr"/>
-              <a:endParaRPr lang="zh-CN" altLang="en-US" sz="1600">
-                <a:latin typeface="微软雅黑" panose="020B0503020204020204" pitchFamily="34" charset="-122"/>
-                <a:ea typeface="微软雅黑" panose="020B0503020204020204" pitchFamily="34" charset="-122"/>
-              </a:endParaRPr>
-            </a:p>
-          </p:txBody>
-        </p:sp>
-        <p:grpSp>
-          <p:nvGrpSpPr>
-            <p:cNvPr id="5" name="组合 4">
-              <a:extLst>
-                <a:ext uri="{FF2B5EF4-FFF2-40B4-BE49-F238E27FC236}">
-                  <a16:creationId xmlns:a16="http://schemas.microsoft.com/office/drawing/2014/main" id="{D2F8A941-C4B9-4E4B-83AB-3A15F4C54F86}"/>
-                </a:ext>
-              </a:extLst>
-            </p:cNvPr>
-            <p:cNvGrpSpPr/>
-            <p:nvPr/>
-          </p:nvGrpSpPr>
-          <p:grpSpPr>
-            <a:xfrm>
-              <a:off x="562963" y="3191865"/>
-              <a:ext cx="2448000" cy="2225870"/>
-              <a:chOff x="574306" y="2289161"/>
-              <a:chExt cx="2448000" cy="2225870"/>
-            </a:xfrm>
-          </p:grpSpPr>
-          <p:sp>
-            <p:nvSpPr>
-              <p:cNvPr id="53" name="矩形: 圆角 52">
-                <a:extLst>
-                  <a:ext uri="{FF2B5EF4-FFF2-40B4-BE49-F238E27FC236}">
-                    <a16:creationId xmlns:a16="http://schemas.microsoft.com/office/drawing/2014/main" id="{40CB1BC0-9F2F-42B0-8691-F1896B1D2EE4}"/>
-                  </a:ext>
-                </a:extLst>
-              </p:cNvPr>
-              <p:cNvSpPr/>
-              <p:nvPr/>
-            </p:nvSpPr>
-            <p:spPr>
-              <a:xfrm>
-                <a:off x="574306" y="2289161"/>
-                <a:ext cx="2448000" cy="648000"/>
-              </a:xfrm>
-              <a:prstGeom prst="roundRect">
-                <a:avLst/>
-              </a:prstGeom>
-              <a:solidFill>
-                <a:srgbClr val="00B050"/>
-              </a:solidFill>
-              <a:ln>
-                <a:solidFill>
-                  <a:schemeClr val="tx1"/>
-                </a:solidFill>
-              </a:ln>
-            </p:spPr>
-            <p:style>
-              <a:lnRef idx="2">
-                <a:schemeClr val="accent1">
-                  <a:shade val="50000"/>
-                </a:schemeClr>
-              </a:lnRef>
-              <a:fillRef idx="1">
-                <a:schemeClr val="accent1"/>
-              </a:fillRef>
-              <a:effectRef idx="0">
-                <a:schemeClr val="accent1"/>
-              </a:effectRef>
-              <a:fontRef idx="minor">
-                <a:schemeClr val="lt1"/>
-              </a:fontRef>
-            </p:style>
-            <p:txBody>
-              <a:bodyPr wrap="none" lIns="36000" tIns="36000" rIns="36000" bIns="36000" rtlCol="0" anchor="ctr" anchorCtr="0"/>
-              <a:lstStyle/>
-              <a:p>
-                <a:pPr algn="ctr"/>
-                <a:r>
-                  <a:rPr lang="zh-CN" altLang="en-US" sz="1600" b="1">
-                    <a:solidFill>
-                      <a:schemeClr val="tx1"/>
-                    </a:solidFill>
-                    <a:latin typeface="微软雅黑" panose="020B0503020204020204" pitchFamily="34" charset="-122"/>
-                    <a:ea typeface="微软雅黑" panose="020B0503020204020204" pitchFamily="34" charset="-122"/>
-                  </a:rPr>
-                  <a:t>添加点评</a:t>
-                </a:r>
-                <a:endParaRPr lang="en-US" altLang="zh-CN" sz="1600" b="1">
-                  <a:solidFill>
-                    <a:schemeClr val="tx1"/>
-                  </a:solidFill>
-                  <a:latin typeface="微软雅黑" panose="020B0503020204020204" pitchFamily="34" charset="-122"/>
-                  <a:ea typeface="微软雅黑" panose="020B0503020204020204" pitchFamily="34" charset="-122"/>
-                </a:endParaRPr>
-              </a:p>
-              <a:p>
-                <a:pPr algn="ctr"/>
-                <a:r>
-                  <a:rPr lang="en-US" altLang="zh-CN" sz="1600" b="1">
-                    <a:solidFill>
-                      <a:schemeClr val="tx1"/>
-                    </a:solidFill>
-                    <a:latin typeface="微软雅黑" panose="020B0503020204020204" pitchFamily="34" charset="-122"/>
-                    <a:ea typeface="微软雅黑" panose="020B0503020204020204" pitchFamily="34" charset="-122"/>
-                  </a:rPr>
-                  <a:t>add_commentlabel</a:t>
-                </a:r>
-              </a:p>
-            </p:txBody>
-          </p:sp>
-          <p:sp>
-            <p:nvSpPr>
-              <p:cNvPr id="38" name="矩形: 圆角 37">
-                <a:extLst>
-                  <a:ext uri="{FF2B5EF4-FFF2-40B4-BE49-F238E27FC236}">
-                    <a16:creationId xmlns:a16="http://schemas.microsoft.com/office/drawing/2014/main" id="{6EF65E41-CF90-4FA2-BE2F-E579C0769331}"/>
-                  </a:ext>
-                </a:extLst>
-              </p:cNvPr>
-              <p:cNvSpPr/>
-              <p:nvPr/>
-            </p:nvSpPr>
-            <p:spPr>
-              <a:xfrm>
-                <a:off x="574306" y="3078096"/>
-                <a:ext cx="2448000" cy="648000"/>
-              </a:xfrm>
-              <a:prstGeom prst="roundRect">
-                <a:avLst/>
-              </a:prstGeom>
-              <a:solidFill>
-                <a:srgbClr val="00B050"/>
-              </a:solidFill>
-              <a:ln>
-                <a:solidFill>
-                  <a:schemeClr val="tx1"/>
-                </a:solidFill>
-              </a:ln>
-            </p:spPr>
-            <p:style>
-              <a:lnRef idx="2">
-                <a:schemeClr val="accent1">
-                  <a:shade val="50000"/>
-                </a:schemeClr>
-              </a:lnRef>
-              <a:fillRef idx="1">
-                <a:schemeClr val="accent1"/>
-              </a:fillRef>
-              <a:effectRef idx="0">
-                <a:schemeClr val="accent1"/>
-              </a:effectRef>
-              <a:fontRef idx="minor">
-                <a:schemeClr val="lt1"/>
-              </a:fontRef>
-            </p:style>
-            <p:txBody>
-              <a:bodyPr wrap="none" lIns="36000" tIns="36000" rIns="36000" bIns="36000" rtlCol="0" anchor="ctr" anchorCtr="0"/>
-              <a:lstStyle/>
-              <a:p>
-                <a:pPr algn="ctr"/>
-                <a:r>
-                  <a:rPr lang="zh-CN" altLang="en-US" sz="1600" b="1">
-                    <a:solidFill>
-                      <a:schemeClr val="tx1"/>
-                    </a:solidFill>
-                    <a:latin typeface="微软雅黑" panose="020B0503020204020204" pitchFamily="34" charset="-122"/>
-                    <a:ea typeface="微软雅黑" panose="020B0503020204020204" pitchFamily="34" charset="-122"/>
-                  </a:rPr>
-                  <a:t>删除点评</a:t>
-                </a:r>
-                <a:endParaRPr lang="en-US" altLang="zh-CN" sz="1600" b="1">
-                  <a:solidFill>
-                    <a:schemeClr val="tx1"/>
-                  </a:solidFill>
-                  <a:latin typeface="微软雅黑" panose="020B0503020204020204" pitchFamily="34" charset="-122"/>
-                  <a:ea typeface="微软雅黑" panose="020B0503020204020204" pitchFamily="34" charset="-122"/>
-                </a:endParaRPr>
-              </a:p>
-              <a:p>
-                <a:pPr algn="ctr"/>
-                <a:r>
-                  <a:rPr lang="en-US" altLang="zh-CN" sz="1600" b="1">
-                    <a:solidFill>
-                      <a:schemeClr val="tx1"/>
-                    </a:solidFill>
-                    <a:latin typeface="微软雅黑" panose="020B0503020204020204" pitchFamily="34" charset="-122"/>
-                    <a:ea typeface="微软雅黑" panose="020B0503020204020204" pitchFamily="34" charset="-122"/>
-                  </a:rPr>
-                  <a:t>delete_commentlabel</a:t>
-                </a:r>
-              </a:p>
-            </p:txBody>
-          </p:sp>
-          <p:sp>
-            <p:nvSpPr>
-              <p:cNvPr id="39" name="矩形: 圆角 38">
-                <a:extLst>
-                  <a:ext uri="{FF2B5EF4-FFF2-40B4-BE49-F238E27FC236}">
-                    <a16:creationId xmlns:a16="http://schemas.microsoft.com/office/drawing/2014/main" id="{94C63C5F-9EC3-4BE9-B298-A1E0C73F3497}"/>
-                  </a:ext>
-                </a:extLst>
-              </p:cNvPr>
-              <p:cNvSpPr/>
-              <p:nvPr/>
-            </p:nvSpPr>
-            <p:spPr>
-              <a:xfrm>
-                <a:off x="574306" y="3867031"/>
-                <a:ext cx="2448000" cy="648000"/>
-              </a:xfrm>
-              <a:prstGeom prst="roundRect">
-                <a:avLst/>
-              </a:prstGeom>
-              <a:solidFill>
-                <a:srgbClr val="00B050"/>
-              </a:solidFill>
-              <a:ln>
-                <a:solidFill>
-                  <a:schemeClr val="tx1"/>
-                </a:solidFill>
-              </a:ln>
-            </p:spPr>
-            <p:style>
-              <a:lnRef idx="2">
-                <a:schemeClr val="accent1">
-                  <a:shade val="50000"/>
-                </a:schemeClr>
-              </a:lnRef>
-              <a:fillRef idx="1">
-                <a:schemeClr val="accent1"/>
-              </a:fillRef>
-              <a:effectRef idx="0">
-                <a:schemeClr val="accent1"/>
-              </a:effectRef>
-              <a:fontRef idx="minor">
-                <a:schemeClr val="lt1"/>
-              </a:fontRef>
-            </p:style>
-            <p:txBody>
-              <a:bodyPr wrap="none" lIns="36000" tIns="36000" rIns="36000" bIns="36000" rtlCol="0" anchor="ctr" anchorCtr="0"/>
-              <a:lstStyle/>
-              <a:p>
-                <a:pPr algn="ctr"/>
-                <a:r>
-                  <a:rPr lang="zh-CN" altLang="en-US" sz="1600" b="1">
-                    <a:solidFill>
-                      <a:schemeClr val="tx1"/>
-                    </a:solidFill>
-                    <a:latin typeface="微软雅黑" panose="020B0503020204020204" pitchFamily="34" charset="-122"/>
-                    <a:ea typeface="微软雅黑" panose="020B0503020204020204" pitchFamily="34" charset="-122"/>
-                  </a:rPr>
-                  <a:t>修改点评</a:t>
-                </a:r>
-                <a:endParaRPr lang="en-US" altLang="zh-CN" sz="1600" b="1">
-                  <a:solidFill>
-                    <a:schemeClr val="tx1"/>
-                  </a:solidFill>
-                  <a:latin typeface="微软雅黑" panose="020B0503020204020204" pitchFamily="34" charset="-122"/>
-                  <a:ea typeface="微软雅黑" panose="020B0503020204020204" pitchFamily="34" charset="-122"/>
-                </a:endParaRPr>
-              </a:p>
-              <a:p>
-                <a:pPr algn="ctr"/>
-                <a:r>
-                  <a:rPr lang="en-US" altLang="zh-CN" sz="1600" b="1">
-                    <a:solidFill>
-                      <a:schemeClr val="tx1"/>
-                    </a:solidFill>
-                    <a:latin typeface="微软雅黑" panose="020B0503020204020204" pitchFamily="34" charset="-122"/>
-                    <a:ea typeface="微软雅黑" panose="020B0503020204020204" pitchFamily="34" charset="-122"/>
-                  </a:rPr>
-                  <a:t>update_commentlabel</a:t>
-                </a:r>
-              </a:p>
-            </p:txBody>
-          </p:sp>
-        </p:grpSp>
-        <p:sp>
-          <p:nvSpPr>
-            <p:cNvPr id="55" name="矩形: 圆角 54">
-              <a:extLst>
-                <a:ext uri="{FF2B5EF4-FFF2-40B4-BE49-F238E27FC236}">
-                  <a16:creationId xmlns:a16="http://schemas.microsoft.com/office/drawing/2014/main" id="{5D90792A-30EC-40F0-AC29-0992B2DCD239}"/>
-                </a:ext>
-              </a:extLst>
-            </p:cNvPr>
-            <p:cNvSpPr/>
-            <p:nvPr/>
-          </p:nvSpPr>
-          <p:spPr>
-            <a:xfrm>
-              <a:off x="1228963" y="2506616"/>
-              <a:ext cx="1116000" cy="540000"/>
-            </a:xfrm>
-            <a:prstGeom prst="roundRect">
-              <a:avLst/>
-            </a:prstGeom>
-            <a:solidFill>
-              <a:srgbClr val="00B0F0"/>
-            </a:solidFill>
-            <a:ln>
-              <a:solidFill>
-                <a:schemeClr val="tx1"/>
-              </a:solidFill>
-            </a:ln>
-          </p:spPr>
-          <p:style>
-            <a:lnRef idx="2">
-              <a:schemeClr val="accent1">
-                <a:shade val="50000"/>
-              </a:schemeClr>
-            </a:lnRef>
-            <a:fillRef idx="1">
-              <a:schemeClr val="accent1"/>
-            </a:fillRef>
-            <a:effectRef idx="0">
-              <a:schemeClr val="accent1"/>
-            </a:effectRef>
-            <a:fontRef idx="minor">
-              <a:schemeClr val="lt1"/>
-            </a:fontRef>
-          </p:style>
-          <p:txBody>
-            <a:bodyPr wrap="none" lIns="36000" tIns="36000" rIns="36000" bIns="36000" rtlCol="0" anchor="ctr" anchorCtr="0"/>
-            <a:lstStyle/>
-            <a:p>
-              <a:pPr algn="ctr"/>
-              <a:r>
-                <a:rPr lang="zh-CN" altLang="en-US" sz="1600" b="1">
-                  <a:solidFill>
-                    <a:schemeClr val="tx1"/>
-                  </a:solidFill>
-                  <a:latin typeface="微软雅黑" panose="020B0503020204020204" pitchFamily="34" charset="-122"/>
-                  <a:ea typeface="微软雅黑" panose="020B0503020204020204" pitchFamily="34" charset="-122"/>
-                </a:rPr>
-                <a:t>基金会成员</a:t>
-              </a:r>
-            </a:p>
-          </p:txBody>
-        </p:sp>
-      </p:grpSp>
-    </p:spTree>
-    <p:extLst>
-      <p:ext uri="{BB962C8B-B14F-4D97-AF65-F5344CB8AC3E}">
-        <p14:creationId xmlns:p14="http://schemas.microsoft.com/office/powerpoint/2010/main" val="4031945814"/>
-      </p:ext>
-    </p:extLst>
-  </p:cSld>
-  <p:clrMapOvr>
-    <a:masterClrMapping/>
-  </p:clrMapOvr>
-</p:sld>
-</file>
-
 <file path=ppt/theme/theme1.xml><?xml version="1.0" encoding="utf-8"?>
 <a:theme xmlns:a="http://schemas.openxmlformats.org/drawingml/2006/main" name="Office 主题​​">
   <a:themeElements>
